--- a/materials/slides/ch05-vim-and-linux-programming.pptx
+++ b/materials/slides/ch05-vim-and-linux-programming.pptx
@@ -5,10 +5,10 @@
     <p:sldMasterId id="2147483648" r:id="rId1"/>
   </p:sldMasterIdLst>
   <p:notesMasterIdLst>
-    <p:notesMasterId r:id="rId28"/>
+    <p:notesMasterId r:id="rId27"/>
   </p:notesMasterIdLst>
   <p:handoutMasterIdLst>
-    <p:handoutMasterId r:id="rId29"/>
+    <p:handoutMasterId r:id="rId28"/>
   </p:handoutMasterIdLst>
   <p:sldIdLst>
     <p:sldId id="257" r:id="rId2"/>
@@ -24,19 +24,18 @@
     <p:sldId id="286" r:id="rId12"/>
     <p:sldId id="264" r:id="rId13"/>
     <p:sldId id="266" r:id="rId14"/>
-    <p:sldId id="292" r:id="rId15"/>
-    <p:sldId id="282" r:id="rId16"/>
-    <p:sldId id="283" r:id="rId17"/>
-    <p:sldId id="284" r:id="rId18"/>
-    <p:sldId id="291" r:id="rId19"/>
-    <p:sldId id="265" r:id="rId20"/>
-    <p:sldId id="274" r:id="rId21"/>
-    <p:sldId id="278" r:id="rId22"/>
-    <p:sldId id="287" r:id="rId23"/>
-    <p:sldId id="288" r:id="rId24"/>
-    <p:sldId id="289" r:id="rId25"/>
-    <p:sldId id="290" r:id="rId26"/>
-    <p:sldId id="293" r:id="rId27"/>
+    <p:sldId id="282" r:id="rId15"/>
+    <p:sldId id="283" r:id="rId16"/>
+    <p:sldId id="284" r:id="rId17"/>
+    <p:sldId id="291" r:id="rId18"/>
+    <p:sldId id="265" r:id="rId19"/>
+    <p:sldId id="274" r:id="rId20"/>
+    <p:sldId id="278" r:id="rId21"/>
+    <p:sldId id="287" r:id="rId22"/>
+    <p:sldId id="288" r:id="rId23"/>
+    <p:sldId id="289" r:id="rId24"/>
+    <p:sldId id="290" r:id="rId25"/>
+    <p:sldId id="293" r:id="rId26"/>
   </p:sldIdLst>
   <p:sldSz cx="12192000" cy="6858000"/>
   <p:notesSz cx="6858000" cy="9144000"/>
@@ -240,7 +239,7 @@
           <a:p>
             <a:fld id="{E923E828-953C-4D4A-9B10-11E7329F433D}" type="datetimeFigureOut">
               <a:rPr lang="zh-CN" altLang="en-US" smtClean="0"/>
-              <a:t>2018/2/7</a:t>
+              <a:t>2018/2/24</a:t>
             </a:fld>
             <a:endParaRPr lang="zh-CN" altLang="en-US"/>
           </a:p>
@@ -421,7 +420,7 @@
           <a:p>
             <a:fld id="{867C5346-22E5-4085-8130-851344A84DFF}" type="datetimeFigureOut">
               <a:rPr lang="zh-CN" altLang="en-US" smtClean="0"/>
-              <a:t>2018/2/7</a:t>
+              <a:t>2018/2/24</a:t>
             </a:fld>
             <a:endParaRPr lang="zh-CN" altLang="en-US"/>
           </a:p>
@@ -847,7 +846,7 @@
     </p:spTree>
     <p:extLst>
       <p:ext uri="{BB962C8B-B14F-4D97-AF65-F5344CB8AC3E}">
-        <p14:creationId xmlns:p14="http://schemas.microsoft.com/office/powerpoint/2010/main" val="1750881673"/>
+        <p14:creationId xmlns:p14="http://schemas.microsoft.com/office/powerpoint/2010/main" val="1973094544"/>
       </p:ext>
     </p:extLst>
   </p:cSld>
@@ -931,7 +930,7 @@
     </p:spTree>
     <p:extLst>
       <p:ext uri="{BB962C8B-B14F-4D97-AF65-F5344CB8AC3E}">
-        <p14:creationId xmlns:p14="http://schemas.microsoft.com/office/powerpoint/2010/main" val="1973094544"/>
+        <p14:creationId xmlns:p14="http://schemas.microsoft.com/office/powerpoint/2010/main" val="3666486841"/>
       </p:ext>
     </p:extLst>
   </p:cSld>
@@ -1015,7 +1014,7 @@
     </p:spTree>
     <p:extLst>
       <p:ext uri="{BB962C8B-B14F-4D97-AF65-F5344CB8AC3E}">
-        <p14:creationId xmlns:p14="http://schemas.microsoft.com/office/powerpoint/2010/main" val="3666486841"/>
+        <p14:creationId xmlns:p14="http://schemas.microsoft.com/office/powerpoint/2010/main" val="1861712240"/>
       </p:ext>
     </p:extLst>
   </p:cSld>
@@ -1091,90 +1090,6 @@
             <a:fld id="{9FB975F3-1C40-4D40-A7FE-36EEB7CAFC85}" type="slidenum">
               <a:rPr lang="zh-CN" altLang="en-US" smtClean="0"/>
               <a:t>25</a:t>
-            </a:fld>
-            <a:endParaRPr lang="zh-CN" altLang="en-US"/>
-          </a:p>
-        </p:txBody>
-      </p:sp>
-    </p:spTree>
-    <p:extLst>
-      <p:ext uri="{BB962C8B-B14F-4D97-AF65-F5344CB8AC3E}">
-        <p14:creationId xmlns:p14="http://schemas.microsoft.com/office/powerpoint/2010/main" val="1861712240"/>
-      </p:ext>
-    </p:extLst>
-  </p:cSld>
-  <p:clrMapOvr>
-    <a:masterClrMapping/>
-  </p:clrMapOvr>
-</p:notes>
-</file>
-
-<file path=ppt/notesSlides/notesSlide14.xml><?xml version="1.0" encoding="utf-8"?>
-<p:notes xmlns:a="http://schemas.openxmlformats.org/drawingml/2006/main" xmlns:r="http://schemas.openxmlformats.org/officeDocument/2006/relationships" xmlns:p="http://schemas.openxmlformats.org/presentationml/2006/main">
-  <p:cSld>
-    <p:spTree>
-      <p:nvGrpSpPr>
-        <p:cNvPr id="1" name=""/>
-        <p:cNvGrpSpPr/>
-        <p:nvPr/>
-      </p:nvGrpSpPr>
-      <p:grpSpPr>
-        <a:xfrm>
-          <a:off x="0" y="0"/>
-          <a:ext cx="0" cy="0"/>
-          <a:chOff x="0" y="0"/>
-          <a:chExt cx="0" cy="0"/>
-        </a:xfrm>
-      </p:grpSpPr>
-      <p:sp>
-        <p:nvSpPr>
-          <p:cNvPr id="2" name="幻灯片图像占位符 1"/>
-          <p:cNvSpPr>
-            <a:spLocks noGrp="1" noRot="1" noChangeAspect="1"/>
-          </p:cNvSpPr>
-          <p:nvPr>
-            <p:ph type="sldImg"/>
-          </p:nvPr>
-        </p:nvSpPr>
-        <p:spPr/>
-      </p:sp>
-      <p:sp>
-        <p:nvSpPr>
-          <p:cNvPr id="3" name="备注占位符 2"/>
-          <p:cNvSpPr>
-            <a:spLocks noGrp="1"/>
-          </p:cNvSpPr>
-          <p:nvPr>
-            <p:ph type="body" idx="1"/>
-          </p:nvPr>
-        </p:nvSpPr>
-        <p:spPr/>
-        <p:txBody>
-          <a:bodyPr/>
-          <a:lstStyle/>
-          <a:p>
-            <a:endParaRPr lang="zh-CN" altLang="en-US" dirty="0"/>
-          </a:p>
-        </p:txBody>
-      </p:sp>
-      <p:sp>
-        <p:nvSpPr>
-          <p:cNvPr id="4" name="灯片编号占位符 3"/>
-          <p:cNvSpPr>
-            <a:spLocks noGrp="1"/>
-          </p:cNvSpPr>
-          <p:nvPr>
-            <p:ph type="sldNum" sz="quarter" idx="10"/>
-          </p:nvPr>
-        </p:nvSpPr>
-        <p:spPr/>
-        <p:txBody>
-          <a:bodyPr/>
-          <a:lstStyle/>
-          <a:p>
-            <a:fld id="{9FB975F3-1C40-4D40-A7FE-36EEB7CAFC85}" type="slidenum">
-              <a:rPr lang="zh-CN" altLang="en-US" smtClean="0"/>
-              <a:t>26</a:t>
             </a:fld>
             <a:endParaRPr lang="zh-CN" altLang="en-US"/>
           </a:p>
@@ -1351,7 +1266,7 @@
     </p:spTree>
     <p:extLst>
       <p:ext uri="{BB962C8B-B14F-4D97-AF65-F5344CB8AC3E}">
-        <p14:creationId xmlns:p14="http://schemas.microsoft.com/office/powerpoint/2010/main" val="2059689931"/>
+        <p14:creationId xmlns:p14="http://schemas.microsoft.com/office/powerpoint/2010/main" val="343925412"/>
       </p:ext>
     </p:extLst>
   </p:cSld>
@@ -1435,7 +1350,7 @@
     </p:spTree>
     <p:extLst>
       <p:ext uri="{BB962C8B-B14F-4D97-AF65-F5344CB8AC3E}">
-        <p14:creationId xmlns:p14="http://schemas.microsoft.com/office/powerpoint/2010/main" val="343925412"/>
+        <p14:creationId xmlns:p14="http://schemas.microsoft.com/office/powerpoint/2010/main" val="1524850600"/>
       </p:ext>
     </p:extLst>
   </p:cSld>
@@ -1519,7 +1434,7 @@
     </p:spTree>
     <p:extLst>
       <p:ext uri="{BB962C8B-B14F-4D97-AF65-F5344CB8AC3E}">
-        <p14:creationId xmlns:p14="http://schemas.microsoft.com/office/powerpoint/2010/main" val="1524850600"/>
+        <p14:creationId xmlns:p14="http://schemas.microsoft.com/office/powerpoint/2010/main" val="1200008047"/>
       </p:ext>
     </p:extLst>
   </p:cSld>
@@ -1603,7 +1518,7 @@
     </p:spTree>
     <p:extLst>
       <p:ext uri="{BB962C8B-B14F-4D97-AF65-F5344CB8AC3E}">
-        <p14:creationId xmlns:p14="http://schemas.microsoft.com/office/powerpoint/2010/main" val="1200008047"/>
+        <p14:creationId xmlns:p14="http://schemas.microsoft.com/office/powerpoint/2010/main" val="56292322"/>
       </p:ext>
     </p:extLst>
   </p:cSld>
@@ -1678,7 +1593,7 @@
           <a:p>
             <a:fld id="{9FB975F3-1C40-4D40-A7FE-36EEB7CAFC85}" type="slidenum">
               <a:rPr lang="zh-CN" altLang="en-US" smtClean="0"/>
-              <a:t>18</a:t>
+              <a:t>19</a:t>
             </a:fld>
             <a:endParaRPr lang="zh-CN" altLang="en-US"/>
           </a:p>
@@ -1687,7 +1602,7 @@
     </p:spTree>
     <p:extLst>
       <p:ext uri="{BB962C8B-B14F-4D97-AF65-F5344CB8AC3E}">
-        <p14:creationId xmlns:p14="http://schemas.microsoft.com/office/powerpoint/2010/main" val="56292322"/>
+        <p14:creationId xmlns:p14="http://schemas.microsoft.com/office/powerpoint/2010/main" val="1488317830"/>
       </p:ext>
     </p:extLst>
   </p:cSld>
@@ -1771,7 +1686,7 @@
     </p:spTree>
     <p:extLst>
       <p:ext uri="{BB962C8B-B14F-4D97-AF65-F5344CB8AC3E}">
-        <p14:creationId xmlns:p14="http://schemas.microsoft.com/office/powerpoint/2010/main" val="1488317830"/>
+        <p14:creationId xmlns:p14="http://schemas.microsoft.com/office/powerpoint/2010/main" val="1846764752"/>
       </p:ext>
     </p:extLst>
   </p:cSld>
@@ -1855,7 +1770,7 @@
     </p:spTree>
     <p:extLst>
       <p:ext uri="{BB962C8B-B14F-4D97-AF65-F5344CB8AC3E}">
-        <p14:creationId xmlns:p14="http://schemas.microsoft.com/office/powerpoint/2010/main" val="1846764752"/>
+        <p14:creationId xmlns:p14="http://schemas.microsoft.com/office/powerpoint/2010/main" val="1750881673"/>
       </p:ext>
     </p:extLst>
   </p:cSld>
@@ -2023,7 +1938,7 @@
           <a:p>
             <a:fld id="{A5E21016-498F-4141-B0CA-D95A38CA7D62}" type="datetimeFigureOut">
               <a:rPr lang="zh-CN" altLang="en-US" smtClean="0"/>
-              <a:t>2018/2/7</a:t>
+              <a:t>2018/2/24</a:t>
             </a:fld>
             <a:endParaRPr lang="zh-CN" altLang="en-US"/>
           </a:p>
@@ -2253,7 +2168,7 @@
           <a:p>
             <a:fld id="{A5E21016-498F-4141-B0CA-D95A38CA7D62}" type="datetimeFigureOut">
               <a:rPr lang="zh-CN" altLang="en-US" smtClean="0"/>
-              <a:t>2018/2/7</a:t>
+              <a:t>2018/2/24</a:t>
             </a:fld>
             <a:endParaRPr lang="zh-CN" altLang="en-US"/>
           </a:p>
@@ -2488,7 +2403,7 @@
           <a:p>
             <a:fld id="{A5E21016-498F-4141-B0CA-D95A38CA7D62}" type="datetimeFigureOut">
               <a:rPr lang="zh-CN" altLang="en-US" smtClean="0"/>
-              <a:t>2018/2/7</a:t>
+              <a:t>2018/2/24</a:t>
             </a:fld>
             <a:endParaRPr lang="zh-CN" altLang="en-US"/>
           </a:p>
@@ -3050,7 +2965,7 @@
           <a:p>
             <a:fld id="{A5E21016-498F-4141-B0CA-D95A38CA7D62}" type="datetimeFigureOut">
               <a:rPr lang="zh-CN" altLang="en-US" smtClean="0"/>
-              <a:t>2018/2/7</a:t>
+              <a:t>2018/2/24</a:t>
             </a:fld>
             <a:endParaRPr lang="zh-CN" altLang="en-US"/>
           </a:p>
@@ -3347,7 +3262,7 @@
           <a:p>
             <a:fld id="{A5E21016-498F-4141-B0CA-D95A38CA7D62}" type="datetimeFigureOut">
               <a:rPr lang="zh-CN" altLang="en-US" smtClean="0"/>
-              <a:t>2018/2/7</a:t>
+              <a:t>2018/2/24</a:t>
             </a:fld>
             <a:endParaRPr lang="zh-CN" altLang="en-US"/>
           </a:p>
@@ -3786,7 +3701,7 @@
           <a:p>
             <a:fld id="{A5E21016-498F-4141-B0CA-D95A38CA7D62}" type="datetimeFigureOut">
               <a:rPr lang="zh-CN" altLang="en-US" smtClean="0"/>
-              <a:t>2018/2/7</a:t>
+              <a:t>2018/2/24</a:t>
             </a:fld>
             <a:endParaRPr lang="zh-CN" altLang="en-US"/>
           </a:p>
@@ -3959,7 +3874,7 @@
           <a:p>
             <a:fld id="{A5E21016-498F-4141-B0CA-D95A38CA7D62}" type="datetimeFigureOut">
               <a:rPr lang="zh-CN" altLang="en-US" smtClean="0"/>
-              <a:t>2018/2/7</a:t>
+              <a:t>2018/2/24</a:t>
             </a:fld>
             <a:endParaRPr lang="zh-CN" altLang="en-US"/>
           </a:p>
@@ -4096,7 +4011,7 @@
           <a:p>
             <a:fld id="{A5E21016-498F-4141-B0CA-D95A38CA7D62}" type="datetimeFigureOut">
               <a:rPr lang="zh-CN" altLang="en-US" smtClean="0"/>
-              <a:t>2018/2/7</a:t>
+              <a:t>2018/2/24</a:t>
             </a:fld>
             <a:endParaRPr lang="zh-CN" altLang="en-US"/>
           </a:p>
@@ -4434,7 +4349,7 @@
           <a:p>
             <a:fld id="{A5E21016-498F-4141-B0CA-D95A38CA7D62}" type="datetimeFigureOut">
               <a:rPr lang="zh-CN" altLang="en-US" smtClean="0"/>
-              <a:t>2018/2/7</a:t>
+              <a:t>2018/2/24</a:t>
             </a:fld>
             <a:endParaRPr lang="zh-CN" altLang="en-US"/>
           </a:p>
@@ -4749,7 +4664,7 @@
           <a:p>
             <a:fld id="{A5E21016-498F-4141-B0CA-D95A38CA7D62}" type="datetimeFigureOut">
               <a:rPr lang="zh-CN" altLang="en-US" smtClean="0"/>
-              <a:t>2018/2/7</a:t>
+              <a:t>2018/2/24</a:t>
             </a:fld>
             <a:endParaRPr lang="zh-CN" altLang="en-US"/>
           </a:p>
@@ -6198,12 +6113,16 @@
           <a:lstStyle/>
           <a:p>
             <a:r>
+              <a:rPr lang="zh-CN" altLang="en-US" dirty="0"/>
+              <a:t>进程所属用户与目录</a:t>
+            </a:r>
+            <a:r>
               <a:rPr lang="en-US" altLang="zh-CN" dirty="0"/>
-              <a:t>shell</a:t>
+              <a:t>/</a:t>
             </a:r>
             <a:r>
               <a:rPr lang="zh-CN" altLang="en-US" dirty="0"/>
-              <a:t>执行命令</a:t>
+              <a:t>文件权限</a:t>
             </a:r>
           </a:p>
         </p:txBody>
@@ -6236,6 +6155,161 @@
           </a:bodyPr>
           <a:lstStyle/>
           <a:p>
+            <a:r>
+              <a:rPr lang="zh-CN" altLang="en-US" sz="2000" dirty="0"/>
+              <a:t>一个进程的是以某一用户的身份运行的，所以这个进程的访问系统资源的权限受限于这个用户的权限。</a:t>
+            </a:r>
+            <a:endParaRPr lang="en-US" altLang="zh-CN" sz="2000" dirty="0"/>
+          </a:p>
+          <a:p>
+            <a:r>
+              <a:rPr lang="zh-CN" altLang="en-US" sz="2000" dirty="0"/>
+              <a:t>以指定的列查看进程： </a:t>
+            </a:r>
+            <a:r>
+              <a:rPr lang="en-US" altLang="zh-CN" sz="2000" dirty="0" err="1"/>
+              <a:t>ps</a:t>
+            </a:r>
+            <a:r>
+              <a:rPr lang="en-US" altLang="zh-CN" sz="2000" dirty="0"/>
+              <a:t> -o </a:t>
+            </a:r>
+            <a:r>
+              <a:rPr lang="en-US" altLang="zh-CN" sz="2000" dirty="0" err="1"/>
+              <a:t>user,pid,ppid,tty,comm,args</a:t>
+            </a:r>
+            <a:r>
+              <a:rPr lang="en-US" altLang="zh-CN" sz="2000" dirty="0"/>
+              <a:t> -e</a:t>
+            </a:r>
+          </a:p>
+          <a:p>
+            <a:r>
+              <a:rPr lang="zh-CN" altLang="en-US" sz="2000" dirty="0"/>
+              <a:t>输出的列依次为运行进程的用户，进程</a:t>
+            </a:r>
+            <a:r>
+              <a:rPr lang="en-US" altLang="zh-CN" sz="2000" dirty="0"/>
+              <a:t>ID</a:t>
+            </a:r>
+            <a:r>
+              <a:rPr lang="zh-CN" altLang="en-US" sz="2000" dirty="0"/>
+              <a:t>，父进程</a:t>
+            </a:r>
+            <a:r>
+              <a:rPr lang="en-US" altLang="zh-CN" sz="2000" dirty="0"/>
+              <a:t>ID</a:t>
+            </a:r>
+            <a:r>
+              <a:rPr lang="zh-CN" altLang="en-US" sz="2000" dirty="0"/>
+              <a:t>，所属终端，命令，命令参数。</a:t>
+            </a:r>
+            <a:endParaRPr lang="en-US" altLang="zh-CN" sz="2000" dirty="0"/>
+          </a:p>
+          <a:p>
+            <a:r>
+              <a:rPr lang="en-US" altLang="zh-CN" sz="2000" dirty="0" err="1"/>
+              <a:t>tty</a:t>
+            </a:r>
+            <a:r>
+              <a:rPr lang="zh-CN" altLang="en-US" sz="2000" dirty="0"/>
+              <a:t>列为</a:t>
+            </a:r>
+            <a:r>
+              <a:rPr lang="en-US" altLang="zh-CN" sz="2000" dirty="0"/>
+              <a:t>?</a:t>
+            </a:r>
+            <a:r>
+              <a:rPr lang="zh-CN" altLang="en-US" sz="2000" dirty="0"/>
+              <a:t>的是系统服务程序（守护进程），并不和终端相关联。</a:t>
+            </a:r>
+            <a:endParaRPr lang="en-US" altLang="zh-CN" sz="2000" dirty="0"/>
+          </a:p>
+          <a:p>
+            <a:r>
+              <a:rPr lang="zh-CN" altLang="en-US" sz="2000" dirty="0"/>
+              <a:t>查看目录权限：</a:t>
+            </a:r>
+            <a:r>
+              <a:rPr lang="en-US" altLang="zh-CN" sz="2000" dirty="0"/>
+              <a:t>ls -l</a:t>
+            </a:r>
+          </a:p>
+          <a:p>
+            <a:r>
+              <a:rPr lang="zh-CN" altLang="en-US" sz="2000" dirty="0"/>
+              <a:t>目录</a:t>
+            </a:r>
+            <a:r>
+              <a:rPr lang="en-US" altLang="zh-CN" sz="2000" dirty="0"/>
+              <a:t>/</a:t>
+            </a:r>
+            <a:r>
+              <a:rPr lang="zh-CN" altLang="en-US" sz="2000" dirty="0"/>
+              <a:t>文件的权限有可读，可写，可执行，针对用户，用户组内的其他用户，其他用户都有不同的权限，比如：</a:t>
+            </a:r>
+            <a:r>
+              <a:rPr lang="en-US" altLang="zh-CN" sz="2000" dirty="0" err="1"/>
+              <a:t>rwxr</a:t>
+            </a:r>
+            <a:r>
+              <a:rPr lang="en-US" altLang="zh-CN" sz="2000" dirty="0"/>
+              <a:t>-</a:t>
+            </a:r>
+            <a:r>
+              <a:rPr lang="en-US" altLang="zh-CN" sz="2000" dirty="0" err="1"/>
+              <a:t>xrw</a:t>
+            </a:r>
+            <a:r>
+              <a:rPr lang="en-US" altLang="zh-CN" sz="2000" dirty="0"/>
+              <a:t>-x</a:t>
+            </a:r>
+            <a:r>
+              <a:rPr lang="zh-CN" altLang="en-US" sz="2000" dirty="0"/>
+              <a:t>表示当前用户具有可读，可写，可执行的权限，而组内用户以及其他用户具有可读可执行的权限。</a:t>
+            </a:r>
+            <a:endParaRPr lang="en-US" altLang="zh-CN" sz="2000" dirty="0"/>
+          </a:p>
+          <a:p>
+            <a:r>
+              <a:rPr lang="zh-CN" altLang="en-US" sz="2000" dirty="0"/>
+              <a:t>注意：在</a:t>
+            </a:r>
+            <a:r>
+              <a:rPr lang="en-US" altLang="zh-CN" sz="2000" dirty="0"/>
+              <a:t>Linux</a:t>
+            </a:r>
+            <a:r>
+              <a:rPr lang="zh-CN" altLang="en-US" sz="2000" dirty="0"/>
+              <a:t>上，目录必须具有可执行的权限，否则</a:t>
+            </a:r>
+            <a:r>
+              <a:rPr lang="en-US" altLang="zh-CN" sz="2000" dirty="0"/>
+              <a:t>cd</a:t>
+            </a:r>
+            <a:r>
+              <a:rPr lang="zh-CN" altLang="en-US" sz="2000" dirty="0"/>
+              <a:t>切换目录会提示权限不允许的错误。</a:t>
+            </a:r>
+            <a:endParaRPr lang="en-US" altLang="zh-CN" sz="2000" dirty="0"/>
+          </a:p>
+          <a:p>
+            <a:r>
+              <a:rPr lang="en-US" altLang="zh-CN" sz="2000" dirty="0"/>
+              <a:t>PHP</a:t>
+            </a:r>
+            <a:r>
+              <a:rPr lang="zh-CN" altLang="en-US" sz="2000" dirty="0"/>
+              <a:t>程序在</a:t>
+            </a:r>
+            <a:r>
+              <a:rPr lang="en-US" altLang="zh-CN" sz="2000" dirty="0"/>
+              <a:t>Linux</a:t>
+            </a:r>
+            <a:r>
+              <a:rPr lang="zh-CN" altLang="en-US" sz="2000" dirty="0"/>
+              <a:t>上为何总是出现权限问题？</a:t>
+            </a:r>
             <a:endParaRPr lang="en-US" altLang="zh-CN" sz="2000" dirty="0"/>
           </a:p>
         </p:txBody>
@@ -6243,7 +6317,7 @@
     </p:spTree>
     <p:extLst>
       <p:ext uri="{BB962C8B-B14F-4D97-AF65-F5344CB8AC3E}">
-        <p14:creationId xmlns:p14="http://schemas.microsoft.com/office/powerpoint/2010/main" val="1182459804"/>
+        <p14:creationId xmlns:p14="http://schemas.microsoft.com/office/powerpoint/2010/main" val="3783361451"/>
       </p:ext>
     </p:extLst>
   </p:cSld>
@@ -6297,17 +6371,10 @@
           <a:lstStyle/>
           <a:p>
             <a:r>
-              <a:rPr lang="zh-CN" altLang="en-US" dirty="0"/>
-              <a:t>进程所属用户与目录</a:t>
-            </a:r>
-            <a:r>
               <a:rPr lang="en-US" altLang="zh-CN" dirty="0"/>
-              <a:t>/</a:t>
-            </a:r>
-            <a:r>
-              <a:rPr lang="zh-CN" altLang="en-US" dirty="0"/>
-              <a:t>文件权限</a:t>
-            </a:r>
+              <a:t>PHP-FPM</a:t>
+            </a:r>
+            <a:endParaRPr lang="zh-CN" altLang="en-US" dirty="0"/>
           </a:p>
         </p:txBody>
       </p:sp>
@@ -6341,14 +6408,15 @@
           <a:p>
             <a:r>
               <a:rPr lang="zh-CN" altLang="en-US" sz="2000" dirty="0"/>
-              <a:t>一个进程的是以某一用户的身份运行的，所以这个进程的访问系统资源的权限受限于这个用户的权限。</a:t>
-            </a:r>
-            <a:endParaRPr lang="en-US" altLang="zh-CN" sz="2000" dirty="0"/>
-          </a:p>
-          <a:p>
-            <a:r>
-              <a:rPr lang="zh-CN" altLang="en-US" sz="2000" dirty="0"/>
-              <a:t>以指定的列查看进程： </a:t>
+              <a:t>查看</a:t>
+            </a:r>
+            <a:r>
+              <a:rPr lang="en-US" altLang="zh-CN" sz="2000" dirty="0"/>
+              <a:t>PHP-FPM</a:t>
+            </a:r>
+            <a:r>
+              <a:rPr lang="zh-CN" altLang="en-US" sz="2000" dirty="0"/>
+              <a:t>的服务进程：</a:t>
             </a:r>
             <a:r>
               <a:rPr lang="en-US" altLang="zh-CN" sz="2000" dirty="0" err="1"/>
@@ -6360,104 +6428,117 @@
             </a:r>
             <a:r>
               <a:rPr lang="en-US" altLang="zh-CN" sz="2000" dirty="0" err="1"/>
-              <a:t>user,pid,ppid,tty,comm,args</a:t>
+              <a:t>user,pid,ppid,tty,args</a:t>
             </a:r>
             <a:r>
               <a:rPr lang="en-US" altLang="zh-CN" sz="2000" dirty="0"/>
-              <a:t> -e</a:t>
-            </a:r>
-          </a:p>
-          <a:p>
-            <a:r>
-              <a:rPr lang="zh-CN" altLang="en-US" sz="2000" dirty="0"/>
-              <a:t>输出的列依次为运行进程的用户，进程</a:t>
+              <a:t> -e | grep ‘</a:t>
+            </a:r>
+            <a:r>
+              <a:rPr lang="en-US" altLang="zh-CN" sz="2000" dirty="0" err="1"/>
+              <a:t>php</a:t>
             </a:r>
             <a:r>
               <a:rPr lang="en-US" altLang="zh-CN" sz="2000" dirty="0"/>
-              <a:t>ID</a:t>
-            </a:r>
-            <a:r>
-              <a:rPr lang="zh-CN" altLang="en-US" sz="2000" dirty="0"/>
-              <a:t>，父进程</a:t>
+              <a:t>-fpm’</a:t>
+            </a:r>
+          </a:p>
+          <a:p>
+            <a:r>
+              <a:rPr lang="zh-CN" altLang="en-US" sz="2000" dirty="0"/>
+              <a:t>从结果来看，</a:t>
             </a:r>
             <a:r>
               <a:rPr lang="en-US" altLang="zh-CN" sz="2000" dirty="0"/>
-              <a:t>ID</a:t>
-            </a:r>
-            <a:r>
-              <a:rPr lang="zh-CN" altLang="en-US" sz="2000" dirty="0"/>
-              <a:t>，所属终端，命令，命令参数。</a:t>
+              <a:t>master process </a:t>
+            </a:r>
+            <a:r>
+              <a:rPr lang="zh-CN" altLang="en-US" sz="2000" dirty="0"/>
+              <a:t>进程以</a:t>
+            </a:r>
+            <a:r>
+              <a:rPr lang="en-US" altLang="zh-CN" sz="2000" dirty="0"/>
+              <a:t>root</a:t>
+            </a:r>
+            <a:r>
+              <a:rPr lang="zh-CN" altLang="en-US" sz="2000" dirty="0"/>
+              <a:t>身份运行，但是作为管理进程，并不处理具体的请求，而是把请求分配给其中一个子进程。子进程是以</a:t>
+            </a:r>
+            <a:r>
+              <a:rPr lang="en-US" altLang="zh-CN" sz="2000" dirty="0"/>
+              <a:t>www-data</a:t>
+            </a:r>
+            <a:r>
+              <a:rPr lang="zh-CN" altLang="en-US" sz="2000" dirty="0"/>
+              <a:t>的用户身份运行的。</a:t>
             </a:r>
             <a:endParaRPr lang="en-US" altLang="zh-CN" sz="2000" dirty="0"/>
           </a:p>
           <a:p>
             <a:r>
-              <a:rPr lang="en-US" altLang="zh-CN" sz="2000" dirty="0" err="1"/>
-              <a:t>tty</a:t>
-            </a:r>
-            <a:r>
-              <a:rPr lang="zh-CN" altLang="en-US" sz="2000" dirty="0"/>
-              <a:t>列为</a:t>
+              <a:rPr lang="zh-CN" altLang="en-US" sz="2000" dirty="0"/>
+              <a:t>因此在</a:t>
             </a:r>
             <a:r>
               <a:rPr lang="en-US" altLang="zh-CN" sz="2000" dirty="0"/>
-              <a:t>?</a:t>
-            </a:r>
-            <a:r>
-              <a:rPr lang="zh-CN" altLang="en-US" sz="2000" dirty="0"/>
-              <a:t>的是系统服务程序（守护进程），并不和终端相关联。</a:t>
+              <a:t>PHP</a:t>
+            </a:r>
+            <a:r>
+              <a:rPr lang="zh-CN" altLang="en-US" sz="2000" dirty="0"/>
+              <a:t>系统上，部署的时候总是出现权限问题，因为目录所属用户不是</a:t>
+            </a:r>
+            <a:r>
+              <a:rPr lang="en-US" altLang="zh-CN" sz="2000" dirty="0"/>
+              <a:t>www-data</a:t>
+            </a:r>
+            <a:r>
+              <a:rPr lang="zh-CN" altLang="en-US" sz="2000" dirty="0"/>
+              <a:t>。</a:t>
             </a:r>
             <a:endParaRPr lang="en-US" altLang="zh-CN" sz="2000" dirty="0"/>
           </a:p>
           <a:p>
             <a:r>
               <a:rPr lang="zh-CN" altLang="en-US" sz="2000" dirty="0"/>
-              <a:t>查看目录权限：</a:t>
+              <a:t>一些</a:t>
             </a:r>
             <a:r>
               <a:rPr lang="en-US" altLang="zh-CN" sz="2000" dirty="0"/>
-              <a:t>ls -l</a:t>
-            </a:r>
-          </a:p>
-          <a:p>
-            <a:r>
-              <a:rPr lang="zh-CN" altLang="en-US" sz="2000" dirty="0"/>
-              <a:t>目录</a:t>
+              <a:t>PHP</a:t>
+            </a:r>
+            <a:r>
+              <a:rPr lang="zh-CN" altLang="en-US" sz="2000" dirty="0"/>
+              <a:t>系统安装过程中要求某些目录权限为</a:t>
             </a:r>
             <a:r>
               <a:rPr lang="en-US" altLang="zh-CN" sz="2000" dirty="0"/>
-              <a:t>/</a:t>
-            </a:r>
-            <a:r>
-              <a:rPr lang="zh-CN" altLang="en-US" sz="2000" dirty="0"/>
-              <a:t>文件的权限有可读，可写，可执行，针对用户，用户组内的其他用户，其他用户都有不同的权限，比如：</a:t>
-            </a:r>
-            <a:r>
-              <a:rPr lang="en-US" altLang="zh-CN" sz="2000" dirty="0" err="1"/>
-              <a:t>rwxr</a:t>
+              <a:t>777</a:t>
+            </a:r>
+            <a:r>
+              <a:rPr lang="zh-CN" altLang="en-US" sz="2000" dirty="0"/>
+              <a:t>就是要任何人都具有可读可写可执行的权限。</a:t>
+            </a:r>
+            <a:endParaRPr lang="en-US" altLang="zh-CN" sz="2000" dirty="0"/>
+          </a:p>
+          <a:p>
+            <a:r>
+              <a:rPr lang="zh-CN" altLang="en-US" sz="2000" dirty="0"/>
+              <a:t>而</a:t>
             </a:r>
             <a:r>
               <a:rPr lang="en-US" altLang="zh-CN" sz="2000" dirty="0"/>
-              <a:t>-</a:t>
-            </a:r>
-            <a:r>
-              <a:rPr lang="en-US" altLang="zh-CN" sz="2000" dirty="0" err="1"/>
-              <a:t>xrw</a:t>
-            </a:r>
-            <a:r>
-              <a:rPr lang="en-US" altLang="zh-CN" sz="2000" dirty="0"/>
-              <a:t>-x</a:t>
-            </a:r>
-            <a:r>
-              <a:rPr lang="zh-CN" altLang="en-US" sz="2000" dirty="0"/>
-              <a:t>表示当前用户具有可读，可写，可执行的权限，而组内用户以及其他用户具有可读可执行的权限。</a:t>
+              <a:t>PHP</a:t>
+            </a:r>
+            <a:r>
+              <a:rPr lang="zh-CN" altLang="en-US" sz="2000" dirty="0"/>
+              <a:t>程序运行过程中创建的文件一般对其他用户来说也是不可写的。</a:t>
             </a:r>
             <a:endParaRPr lang="en-US" altLang="zh-CN" sz="2000" dirty="0"/>
           </a:p>
           <a:p>
             <a:r>
               <a:rPr lang="zh-CN" altLang="en-US" sz="2000" dirty="0"/>
-              <a:t>注意：在</a:t>
+              <a:t>在</a:t>
             </a:r>
             <a:r>
               <a:rPr lang="en-US" altLang="zh-CN" sz="2000" dirty="0"/>
@@ -6465,43 +6546,55 @@
             </a:r>
             <a:r>
               <a:rPr lang="zh-CN" altLang="en-US" sz="2000" dirty="0"/>
-              <a:t>上，目录必须具有可执行的权限，否则</a:t>
-            </a:r>
-            <a:r>
-              <a:rPr lang="en-US" altLang="zh-CN" sz="2000" dirty="0"/>
-              <a:t>cd</a:t>
-            </a:r>
-            <a:r>
-              <a:rPr lang="zh-CN" altLang="en-US" sz="2000" dirty="0"/>
-              <a:t>切换目录会提示权限不允许的错误。</a:t>
+              <a:t>上权限问题虽然会带来一些麻烦，但是却更加安全。</a:t>
             </a:r>
             <a:endParaRPr lang="en-US" altLang="zh-CN" sz="2000" dirty="0"/>
           </a:p>
           <a:p>
-            <a:r>
-              <a:rPr lang="en-US" altLang="zh-CN" sz="2000" dirty="0"/>
-              <a:t>PHP</a:t>
-            </a:r>
-            <a:r>
-              <a:rPr lang="zh-CN" altLang="en-US" sz="2000" dirty="0"/>
-              <a:t>程序在</a:t>
-            </a:r>
-            <a:r>
-              <a:rPr lang="en-US" altLang="zh-CN" sz="2000" dirty="0"/>
-              <a:t>Linux</a:t>
-            </a:r>
-            <a:r>
-              <a:rPr lang="zh-CN" altLang="en-US" sz="2000" dirty="0"/>
-              <a:t>上为何总是出现权限问题？</a:t>
-            </a:r>
             <a:endParaRPr lang="en-US" altLang="zh-CN" sz="2000" dirty="0"/>
           </a:p>
         </p:txBody>
       </p:sp>
+      <p:pic>
+        <p:nvPicPr>
+          <p:cNvPr id="7" name="图片 6">
+            <a:extLst>
+              <a:ext uri="{FF2B5EF4-FFF2-40B4-BE49-F238E27FC236}">
+                <a16:creationId xmlns:a16="http://schemas.microsoft.com/office/drawing/2014/main" id="{C9D23AB0-9A17-463B-A7CE-90E24D449E3A}"/>
+              </a:ext>
+            </a:extLst>
+          </p:cNvPr>
+          <p:cNvPicPr>
+            <a:picLocks noChangeAspect="1"/>
+          </p:cNvPicPr>
+          <p:nvPr/>
+        </p:nvPicPr>
+        <p:blipFill>
+          <a:blip r:embed="rId3">
+            <a:extLst>
+              <a:ext uri="{28A0092B-C50C-407E-A947-70E740481C1C}">
+                <a14:useLocalDpi xmlns:a14="http://schemas.microsoft.com/office/drawing/2010/main" val="0"/>
+              </a:ext>
+            </a:extLst>
+          </a:blip>
+          <a:stretch>
+            <a:fillRect/>
+          </a:stretch>
+        </p:blipFill>
+        <p:spPr>
+          <a:xfrm>
+            <a:off x="838200" y="4905542"/>
+            <a:ext cx="9548792" cy="1601790"/>
+          </a:xfrm>
+          <a:prstGeom prst="rect">
+            <a:avLst/>
+          </a:prstGeom>
+        </p:spPr>
+      </p:pic>
     </p:spTree>
     <p:extLst>
       <p:ext uri="{BB962C8B-B14F-4D97-AF65-F5344CB8AC3E}">
-        <p14:creationId xmlns:p14="http://schemas.microsoft.com/office/powerpoint/2010/main" val="3783361451"/>
+        <p14:creationId xmlns:p14="http://schemas.microsoft.com/office/powerpoint/2010/main" val="2775330218"/>
       </p:ext>
     </p:extLst>
   </p:cSld>
@@ -6555,10 +6648,9 @@
           <a:lstStyle/>
           <a:p>
             <a:r>
-              <a:rPr lang="en-US" altLang="zh-CN" dirty="0"/>
-              <a:t>PHP-FPM</a:t>
-            </a:r>
-            <a:endParaRPr lang="zh-CN" altLang="en-US" dirty="0"/>
+              <a:rPr lang="zh-CN" altLang="en-US" dirty="0"/>
+              <a:t>进程与终端</a:t>
+            </a:r>
           </a:p>
         </p:txBody>
       </p:sp>
@@ -6590,195 +6682,14 @@
           </a:bodyPr>
           <a:lstStyle/>
           <a:p>
-            <a:r>
-              <a:rPr lang="zh-CN" altLang="en-US" sz="2000" dirty="0"/>
-              <a:t>查看</a:t>
-            </a:r>
-            <a:r>
-              <a:rPr lang="en-US" altLang="zh-CN" sz="2000" dirty="0"/>
-              <a:t>PHP-FPM</a:t>
-            </a:r>
-            <a:r>
-              <a:rPr lang="zh-CN" altLang="en-US" sz="2000" dirty="0"/>
-              <a:t>的服务进程：</a:t>
-            </a:r>
-            <a:r>
-              <a:rPr lang="en-US" altLang="zh-CN" sz="2000" dirty="0" err="1"/>
-              <a:t>ps</a:t>
-            </a:r>
-            <a:r>
-              <a:rPr lang="en-US" altLang="zh-CN" sz="2000" dirty="0"/>
-              <a:t> -o </a:t>
-            </a:r>
-            <a:r>
-              <a:rPr lang="en-US" altLang="zh-CN" sz="2000" dirty="0" err="1"/>
-              <a:t>user,pid,ppid,tty,args</a:t>
-            </a:r>
-            <a:r>
-              <a:rPr lang="en-US" altLang="zh-CN" sz="2000" dirty="0"/>
-              <a:t> -e | grep ‘</a:t>
-            </a:r>
-            <a:r>
-              <a:rPr lang="en-US" altLang="zh-CN" sz="2000" dirty="0" err="1"/>
-              <a:t>php</a:t>
-            </a:r>
-            <a:r>
-              <a:rPr lang="en-US" altLang="zh-CN" sz="2000" dirty="0"/>
-              <a:t>-fpm’</a:t>
-            </a:r>
-          </a:p>
-          <a:p>
-            <a:r>
-              <a:rPr lang="zh-CN" altLang="en-US" sz="2000" dirty="0"/>
-              <a:t>从结果来看，</a:t>
-            </a:r>
-            <a:r>
-              <a:rPr lang="en-US" altLang="zh-CN" sz="2000" dirty="0"/>
-              <a:t>master process </a:t>
-            </a:r>
-            <a:r>
-              <a:rPr lang="zh-CN" altLang="en-US" sz="2000" dirty="0"/>
-              <a:t>进程以</a:t>
-            </a:r>
-            <a:r>
-              <a:rPr lang="en-US" altLang="zh-CN" sz="2000" dirty="0"/>
-              <a:t>root</a:t>
-            </a:r>
-            <a:r>
-              <a:rPr lang="zh-CN" altLang="en-US" sz="2000" dirty="0"/>
-              <a:t>身份运行，但是作为管理进程，并不处理具体的请求，而是把请求分配给其中一个子进程。子进程是以</a:t>
-            </a:r>
-            <a:r>
-              <a:rPr lang="en-US" altLang="zh-CN" sz="2000" dirty="0"/>
-              <a:t>www-data</a:t>
-            </a:r>
-            <a:r>
-              <a:rPr lang="zh-CN" altLang="en-US" sz="2000" dirty="0"/>
-              <a:t>的用户身份运行的。</a:t>
-            </a:r>
             <a:endParaRPr lang="en-US" altLang="zh-CN" sz="2000" dirty="0"/>
           </a:p>
-          <a:p>
-            <a:r>
-              <a:rPr lang="zh-CN" altLang="en-US" sz="2000" dirty="0"/>
-              <a:t>因此在</a:t>
-            </a:r>
-            <a:r>
-              <a:rPr lang="en-US" altLang="zh-CN" sz="2000" dirty="0"/>
-              <a:t>PHP</a:t>
-            </a:r>
-            <a:r>
-              <a:rPr lang="zh-CN" altLang="en-US" sz="2000" dirty="0"/>
-              <a:t>系统上，部署的时候总是出现权限问题，因为目录所属用户不是</a:t>
-            </a:r>
-            <a:r>
-              <a:rPr lang="en-US" altLang="zh-CN" sz="2000" dirty="0"/>
-              <a:t>www-data</a:t>
-            </a:r>
-            <a:r>
-              <a:rPr lang="zh-CN" altLang="en-US" sz="2000" dirty="0"/>
-              <a:t>。</a:t>
-            </a:r>
-            <a:endParaRPr lang="en-US" altLang="zh-CN" sz="2000" dirty="0"/>
-          </a:p>
-          <a:p>
-            <a:r>
-              <a:rPr lang="zh-CN" altLang="en-US" sz="2000" dirty="0"/>
-              <a:t>一些</a:t>
-            </a:r>
-            <a:r>
-              <a:rPr lang="en-US" altLang="zh-CN" sz="2000" dirty="0"/>
-              <a:t>PHP</a:t>
-            </a:r>
-            <a:r>
-              <a:rPr lang="zh-CN" altLang="en-US" sz="2000" dirty="0"/>
-              <a:t>系统安装过程中要求某些目录权限为</a:t>
-            </a:r>
-            <a:r>
-              <a:rPr lang="en-US" altLang="zh-CN" sz="2000" dirty="0"/>
-              <a:t>777</a:t>
-            </a:r>
-            <a:r>
-              <a:rPr lang="zh-CN" altLang="en-US" sz="2000" dirty="0"/>
-              <a:t>就是要任何人都具有可读可写可执行的权限。</a:t>
-            </a:r>
-            <a:endParaRPr lang="en-US" altLang="zh-CN" sz="2000" dirty="0"/>
-          </a:p>
-          <a:p>
-            <a:r>
-              <a:rPr lang="zh-CN" altLang="en-US" sz="2000" dirty="0"/>
-              <a:t>而</a:t>
-            </a:r>
-            <a:r>
-              <a:rPr lang="en-US" altLang="zh-CN" sz="2000" dirty="0"/>
-              <a:t>PHP</a:t>
-            </a:r>
-            <a:r>
-              <a:rPr lang="zh-CN" altLang="en-US" sz="2000" dirty="0"/>
-              <a:t>程序运行过程中创建的文件一般对其他用户来说也是不可写的。</a:t>
-            </a:r>
-            <a:endParaRPr lang="en-US" altLang="zh-CN" sz="2000" dirty="0"/>
-          </a:p>
-          <a:p>
-            <a:r>
-              <a:rPr lang="zh-CN" altLang="en-US" sz="2000" dirty="0"/>
-              <a:t>在</a:t>
-            </a:r>
-            <a:r>
-              <a:rPr lang="en-US" altLang="zh-CN" sz="2000" dirty="0"/>
-              <a:t>Linux</a:t>
-            </a:r>
-            <a:r>
-              <a:rPr lang="zh-CN" altLang="en-US" sz="2000" dirty="0"/>
-              <a:t>上权限问题虽然会带来一些麻烦，但是却更加安全。</a:t>
-            </a:r>
-            <a:endParaRPr lang="en-US" altLang="zh-CN" sz="2000" dirty="0"/>
-          </a:p>
-          <a:p>
-            <a:endParaRPr lang="en-US" altLang="zh-CN" sz="2000" dirty="0"/>
-          </a:p>
-        </p:txBody>
-      </p:sp>
-      <p:pic>
-        <p:nvPicPr>
-          <p:cNvPr id="7" name="图片 6">
-            <a:extLst>
-              <a:ext uri="{FF2B5EF4-FFF2-40B4-BE49-F238E27FC236}">
-                <a16:creationId xmlns:a16="http://schemas.microsoft.com/office/drawing/2014/main" id="{C9D23AB0-9A17-463B-A7CE-90E24D449E3A}"/>
-              </a:ext>
-            </a:extLst>
-          </p:cNvPr>
-          <p:cNvPicPr>
-            <a:picLocks noChangeAspect="1"/>
-          </p:cNvPicPr>
-          <p:nvPr/>
-        </p:nvPicPr>
-        <p:blipFill>
-          <a:blip r:embed="rId3">
-            <a:extLst>
-              <a:ext uri="{28A0092B-C50C-407E-A947-70E740481C1C}">
-                <a14:useLocalDpi xmlns:a14="http://schemas.microsoft.com/office/drawing/2010/main" val="0"/>
-              </a:ext>
-            </a:extLst>
-          </a:blip>
-          <a:stretch>
-            <a:fillRect/>
-          </a:stretch>
-        </p:blipFill>
-        <p:spPr>
-          <a:xfrm>
-            <a:off x="838200" y="4905542"/>
-            <a:ext cx="9548792" cy="1601790"/>
-          </a:xfrm>
-          <a:prstGeom prst="rect">
-            <a:avLst/>
-          </a:prstGeom>
-        </p:spPr>
-      </p:pic>
+        </p:txBody>
+      </p:sp>
     </p:spTree>
     <p:extLst>
       <p:ext uri="{BB962C8B-B14F-4D97-AF65-F5344CB8AC3E}">
-        <p14:creationId xmlns:p14="http://schemas.microsoft.com/office/powerpoint/2010/main" val="2775330218"/>
+        <p14:creationId xmlns:p14="http://schemas.microsoft.com/office/powerpoint/2010/main" val="2174621622"/>
       </p:ext>
     </p:extLst>
   </p:cSld>
@@ -6832,8 +6743,12 @@
           <a:lstStyle/>
           <a:p>
             <a:r>
+              <a:rPr lang="en-US" altLang="zh-CN" dirty="0"/>
+              <a:t>PHP</a:t>
+            </a:r>
+            <a:r>
               <a:rPr lang="zh-CN" altLang="en-US" dirty="0"/>
-              <a:t>进程与终端</a:t>
+              <a:t>命令行</a:t>
             </a:r>
           </a:p>
         </p:txBody>
@@ -6873,7 +6788,7 @@
     </p:spTree>
     <p:extLst>
       <p:ext uri="{BB962C8B-B14F-4D97-AF65-F5344CB8AC3E}">
-        <p14:creationId xmlns:p14="http://schemas.microsoft.com/office/powerpoint/2010/main" val="2174621622"/>
+        <p14:creationId xmlns:p14="http://schemas.microsoft.com/office/powerpoint/2010/main" val="3357021957"/>
       </p:ext>
     </p:extLst>
   </p:cSld>
@@ -6928,21 +6843,18 @@
           <a:p>
             <a:r>
               <a:rPr lang="en-US" altLang="zh-CN" dirty="0"/>
-              <a:t>PHP</a:t>
-            </a:r>
-            <a:r>
-              <a:rPr lang="zh-CN" altLang="en-US" dirty="0"/>
-              <a:t>命令行</a:t>
-            </a:r>
-          </a:p>
-        </p:txBody>
-      </p:sp>
-      <p:sp>
-        <p:nvSpPr>
-          <p:cNvPr id="6" name="内容占位符 5">
-            <a:extLst>
-              <a:ext uri="{FF2B5EF4-FFF2-40B4-BE49-F238E27FC236}">
-                <a16:creationId xmlns:a16="http://schemas.microsoft.com/office/drawing/2014/main" id="{B83E9AD4-C606-4679-B884-01F71CC97E44}"/>
+              <a:t>3</a:t>
+            </a:r>
+            <a:endParaRPr lang="zh-CN" altLang="en-US" dirty="0"/>
+          </a:p>
+        </p:txBody>
+      </p:sp>
+      <p:sp>
+        <p:nvSpPr>
+          <p:cNvPr id="3" name="内容占位符 2">
+            <a:extLst>
+              <a:ext uri="{FF2B5EF4-FFF2-40B4-BE49-F238E27FC236}">
+                <a16:creationId xmlns:a16="http://schemas.microsoft.com/office/drawing/2014/main" id="{ED7249CC-3D11-4FF8-8CF2-30C36502BA8B}"/>
               </a:ext>
             </a:extLst>
           </p:cNvPr>
@@ -6953,26 +6865,89 @@
             <p:ph idx="1"/>
           </p:nvPr>
         </p:nvSpPr>
-        <p:spPr>
-          <a:xfrm>
-            <a:off x="838200" y="1656500"/>
-            <a:ext cx="10515600" cy="4850832"/>
-          </a:xfrm>
-        </p:spPr>
-        <p:txBody>
-          <a:bodyPr>
-            <a:normAutofit/>
-          </a:bodyPr>
-          <a:lstStyle/>
-          <a:p>
-            <a:endParaRPr lang="en-US" altLang="zh-CN" sz="2000" dirty="0"/>
+        <p:spPr/>
+        <p:txBody>
+          <a:bodyPr/>
+          <a:lstStyle/>
+          <a:p>
+            <a:pPr marL="0" indent="0" algn="ctr">
+              <a:buNone/>
+            </a:pPr>
+            <a:endParaRPr lang="en-US" altLang="zh-CN" dirty="0">
+              <a:solidFill>
+                <a:schemeClr val="accent1">
+                  <a:lumMod val="75000"/>
+                </a:schemeClr>
+              </a:solidFill>
+            </a:endParaRPr>
+          </a:p>
+          <a:p>
+            <a:pPr marL="0" indent="0" algn="ctr">
+              <a:buNone/>
+            </a:pPr>
+            <a:endParaRPr lang="en-US" altLang="zh-CN" dirty="0">
+              <a:solidFill>
+                <a:schemeClr val="accent1">
+                  <a:lumMod val="75000"/>
+                </a:schemeClr>
+              </a:solidFill>
+            </a:endParaRPr>
+          </a:p>
+          <a:p>
+            <a:pPr marL="0" indent="0" algn="ctr">
+              <a:buNone/>
+            </a:pPr>
+            <a:endParaRPr lang="en-US" altLang="zh-CN" dirty="0">
+              <a:solidFill>
+                <a:schemeClr val="accent1">
+                  <a:lumMod val="75000"/>
+                </a:schemeClr>
+              </a:solidFill>
+            </a:endParaRPr>
+          </a:p>
+          <a:p>
+            <a:pPr marL="0" indent="0" algn="ctr">
+              <a:buNone/>
+            </a:pPr>
+            <a:endParaRPr lang="en-US" altLang="zh-CN" dirty="0">
+              <a:solidFill>
+                <a:schemeClr val="accent1">
+                  <a:lumMod val="75000"/>
+                </a:schemeClr>
+              </a:solidFill>
+            </a:endParaRPr>
+          </a:p>
+          <a:p>
+            <a:pPr marL="0" indent="0" algn="ctr">
+              <a:buNone/>
+            </a:pPr>
+            <a:r>
+              <a:rPr lang="en-US" altLang="zh-CN" sz="3200" dirty="0">
+                <a:solidFill>
+                  <a:schemeClr val="accent1">
+                    <a:lumMod val="75000"/>
+                  </a:schemeClr>
+                </a:solidFill>
+              </a:rPr>
+              <a:t>Linux</a:t>
+            </a:r>
+            <a:r>
+              <a:rPr lang="zh-CN" altLang="en-US" sz="3200" dirty="0">
+                <a:solidFill>
+                  <a:schemeClr val="accent1">
+                    <a:lumMod val="75000"/>
+                  </a:schemeClr>
+                </a:solidFill>
+              </a:rPr>
+              <a:t>系统编程基础</a:t>
+            </a:r>
           </a:p>
         </p:txBody>
       </p:sp>
     </p:spTree>
     <p:extLst>
       <p:ext uri="{BB962C8B-B14F-4D97-AF65-F5344CB8AC3E}">
-        <p14:creationId xmlns:p14="http://schemas.microsoft.com/office/powerpoint/2010/main" val="3357021957"/>
+        <p14:creationId xmlns:p14="http://schemas.microsoft.com/office/powerpoint/2010/main" val="1908713046"/>
       </p:ext>
     </p:extLst>
   </p:cSld>
@@ -7026,19 +7001,18 @@
           <a:lstStyle/>
           <a:p>
             <a:r>
-              <a:rPr lang="en-US" altLang="zh-CN" dirty="0"/>
-              <a:t>3</a:t>
-            </a:r>
-            <a:endParaRPr lang="zh-CN" altLang="en-US" dirty="0"/>
-          </a:p>
-        </p:txBody>
-      </p:sp>
-      <p:sp>
-        <p:nvSpPr>
-          <p:cNvPr id="3" name="内容占位符 2">
-            <a:extLst>
-              <a:ext uri="{FF2B5EF4-FFF2-40B4-BE49-F238E27FC236}">
-                <a16:creationId xmlns:a16="http://schemas.microsoft.com/office/drawing/2014/main" id="{ED7249CC-3D11-4FF8-8CF2-30C36502BA8B}"/>
+              <a:rPr lang="zh-CN" altLang="en-US" dirty="0"/>
+              <a:t>系统编程简介</a:t>
+            </a:r>
+          </a:p>
+        </p:txBody>
+      </p:sp>
+      <p:sp>
+        <p:nvSpPr>
+          <p:cNvPr id="6" name="内容占位符 5">
+            <a:extLst>
+              <a:ext uri="{FF2B5EF4-FFF2-40B4-BE49-F238E27FC236}">
+                <a16:creationId xmlns:a16="http://schemas.microsoft.com/office/drawing/2014/main" id="{B83E9AD4-C606-4679-B884-01F71CC97E44}"/>
               </a:ext>
             </a:extLst>
           </p:cNvPr>
@@ -7049,89 +7023,26 @@
             <p:ph idx="1"/>
           </p:nvPr>
         </p:nvSpPr>
-        <p:spPr/>
-        <p:txBody>
-          <a:bodyPr/>
-          <a:lstStyle/>
-          <a:p>
-            <a:pPr marL="0" indent="0" algn="ctr">
-              <a:buNone/>
-            </a:pPr>
-            <a:endParaRPr lang="en-US" altLang="zh-CN" dirty="0">
-              <a:solidFill>
-                <a:schemeClr val="accent1">
-                  <a:lumMod val="75000"/>
-                </a:schemeClr>
-              </a:solidFill>
-            </a:endParaRPr>
-          </a:p>
-          <a:p>
-            <a:pPr marL="0" indent="0" algn="ctr">
-              <a:buNone/>
-            </a:pPr>
-            <a:endParaRPr lang="en-US" altLang="zh-CN" dirty="0">
-              <a:solidFill>
-                <a:schemeClr val="accent1">
-                  <a:lumMod val="75000"/>
-                </a:schemeClr>
-              </a:solidFill>
-            </a:endParaRPr>
-          </a:p>
-          <a:p>
-            <a:pPr marL="0" indent="0" algn="ctr">
-              <a:buNone/>
-            </a:pPr>
-            <a:endParaRPr lang="en-US" altLang="zh-CN" dirty="0">
-              <a:solidFill>
-                <a:schemeClr val="accent1">
-                  <a:lumMod val="75000"/>
-                </a:schemeClr>
-              </a:solidFill>
-            </a:endParaRPr>
-          </a:p>
-          <a:p>
-            <a:pPr marL="0" indent="0" algn="ctr">
-              <a:buNone/>
-            </a:pPr>
-            <a:endParaRPr lang="en-US" altLang="zh-CN" dirty="0">
-              <a:solidFill>
-                <a:schemeClr val="accent1">
-                  <a:lumMod val="75000"/>
-                </a:schemeClr>
-              </a:solidFill>
-            </a:endParaRPr>
-          </a:p>
-          <a:p>
-            <a:pPr marL="0" indent="0" algn="ctr">
-              <a:buNone/>
-            </a:pPr>
-            <a:r>
-              <a:rPr lang="en-US" altLang="zh-CN" sz="3200" dirty="0">
-                <a:solidFill>
-                  <a:schemeClr val="accent1">
-                    <a:lumMod val="75000"/>
-                  </a:schemeClr>
-                </a:solidFill>
-              </a:rPr>
-              <a:t>Linux</a:t>
-            </a:r>
-            <a:r>
-              <a:rPr lang="zh-CN" altLang="en-US" sz="3200" dirty="0">
-                <a:solidFill>
-                  <a:schemeClr val="accent1">
-                    <a:lumMod val="75000"/>
-                  </a:schemeClr>
-                </a:solidFill>
-              </a:rPr>
-              <a:t>系统编程基础</a:t>
-            </a:r>
+        <p:spPr>
+          <a:xfrm>
+            <a:off x="838200" y="1656500"/>
+            <a:ext cx="10515600" cy="4850832"/>
+          </a:xfrm>
+        </p:spPr>
+        <p:txBody>
+          <a:bodyPr>
+            <a:normAutofit/>
+          </a:bodyPr>
+          <a:lstStyle/>
+          <a:p>
+            <a:endParaRPr lang="en-US" altLang="zh-CN" sz="2000" dirty="0"/>
           </a:p>
         </p:txBody>
       </p:sp>
     </p:spTree>
     <p:extLst>
       <p:ext uri="{BB962C8B-B14F-4D97-AF65-F5344CB8AC3E}">
-        <p14:creationId xmlns:p14="http://schemas.microsoft.com/office/powerpoint/2010/main" val="1908713046"/>
+        <p14:creationId xmlns:p14="http://schemas.microsoft.com/office/powerpoint/2010/main" val="83696498"/>
       </p:ext>
     </p:extLst>
   </p:cSld>
@@ -7424,8 +7335,13 @@
           <a:p>
             <a:r>
               <a:rPr lang="zh-CN" altLang="en-US" dirty="0"/>
-              <a:t>系统编程简介</a:t>
-            </a:r>
+              <a:t>获取自己的</a:t>
+            </a:r>
+            <a:r>
+              <a:rPr lang="en-US" altLang="zh-CN" dirty="0"/>
+              <a:t>PID</a:t>
+            </a:r>
+            <a:endParaRPr lang="zh-CN" altLang="en-US" dirty="0"/>
           </a:p>
         </p:txBody>
       </p:sp>
@@ -7457,14 +7373,177 @@
           </a:bodyPr>
           <a:lstStyle/>
           <a:p>
+            <a:r>
+              <a:rPr lang="zh-CN" altLang="en-US" sz="2000" dirty="0"/>
+              <a:t>系统调用：</a:t>
+            </a:r>
+            <a:r>
+              <a:rPr lang="en-US" altLang="zh-CN" sz="2000" dirty="0" err="1"/>
+              <a:t>pid_t</a:t>
+            </a:r>
+            <a:r>
+              <a:rPr lang="en-US" altLang="zh-CN" sz="2000" dirty="0"/>
+              <a:t>  </a:t>
+            </a:r>
+            <a:r>
+              <a:rPr lang="en-US" altLang="zh-CN" sz="2000" dirty="0" err="1"/>
+              <a:t>getpid</a:t>
+            </a:r>
+            <a:r>
+              <a:rPr lang="en-US" altLang="zh-CN" sz="2000" dirty="0"/>
+              <a:t>();</a:t>
+            </a:r>
+          </a:p>
+          <a:p>
+            <a:r>
+              <a:rPr lang="zh-CN" altLang="en-US" sz="2000" dirty="0"/>
+              <a:t>示例：</a:t>
+            </a:r>
             <a:endParaRPr lang="en-US" altLang="zh-CN" sz="2000" dirty="0"/>
+          </a:p>
+          <a:p>
+            <a:pPr marL="457200" lvl="1" indent="0">
+              <a:buNone/>
+            </a:pPr>
+            <a:r>
+              <a:rPr lang="en-US" altLang="zh-CN" sz="1600" dirty="0"/>
+              <a:t>#include &lt;</a:t>
+            </a:r>
+            <a:r>
+              <a:rPr lang="en-US" altLang="zh-CN" sz="1600" dirty="0" err="1"/>
+              <a:t>stdio.h</a:t>
+            </a:r>
+            <a:r>
+              <a:rPr lang="en-US" altLang="zh-CN" sz="1600" dirty="0"/>
+              <a:t>&gt;</a:t>
+            </a:r>
+          </a:p>
+          <a:p>
+            <a:pPr marL="457200" lvl="1" indent="0">
+              <a:buNone/>
+            </a:pPr>
+            <a:r>
+              <a:rPr lang="en-US" altLang="zh-CN" sz="1600" dirty="0"/>
+              <a:t>#include &lt;sys/</a:t>
+            </a:r>
+            <a:r>
+              <a:rPr lang="en-US" altLang="zh-CN" sz="1600" dirty="0" err="1"/>
+              <a:t>types.h</a:t>
+            </a:r>
+            <a:r>
+              <a:rPr lang="en-US" altLang="zh-CN" sz="1600" dirty="0"/>
+              <a:t>&gt;</a:t>
+            </a:r>
+          </a:p>
+          <a:p>
+            <a:pPr marL="457200" lvl="1" indent="0">
+              <a:buNone/>
+            </a:pPr>
+            <a:r>
+              <a:rPr lang="en-US" altLang="zh-CN" sz="1600" dirty="0"/>
+              <a:t>#include &lt;</a:t>
+            </a:r>
+            <a:r>
+              <a:rPr lang="en-US" altLang="zh-CN" sz="1600" dirty="0" err="1"/>
+              <a:t>unistd.h</a:t>
+            </a:r>
+            <a:r>
+              <a:rPr lang="en-US" altLang="zh-CN" sz="1600" dirty="0"/>
+              <a:t>&gt;</a:t>
+            </a:r>
+          </a:p>
+          <a:p>
+            <a:pPr marL="457200" lvl="1" indent="0">
+              <a:buNone/>
+            </a:pPr>
+            <a:endParaRPr lang="en-US" altLang="zh-CN" sz="1600" dirty="0"/>
+          </a:p>
+          <a:p>
+            <a:pPr marL="457200" lvl="1" indent="0">
+              <a:buNone/>
+            </a:pPr>
+            <a:r>
+              <a:rPr lang="en-US" altLang="zh-CN" sz="1600" dirty="0" err="1"/>
+              <a:t>int</a:t>
+            </a:r>
+            <a:r>
+              <a:rPr lang="en-US" altLang="zh-CN" sz="1600" dirty="0"/>
+              <a:t> main(</a:t>
+            </a:r>
+            <a:r>
+              <a:rPr lang="en-US" altLang="zh-CN" sz="1600" dirty="0" err="1"/>
+              <a:t>int</a:t>
+            </a:r>
+            <a:r>
+              <a:rPr lang="en-US" altLang="zh-CN" sz="1600" dirty="0"/>
+              <a:t> </a:t>
+            </a:r>
+            <a:r>
+              <a:rPr lang="en-US" altLang="zh-CN" sz="1600" dirty="0" err="1"/>
+              <a:t>argc</a:t>
+            </a:r>
+            <a:r>
+              <a:rPr lang="en-US" altLang="zh-CN" sz="1600" dirty="0"/>
+              <a:t>, char *</a:t>
+            </a:r>
+            <a:r>
+              <a:rPr lang="en-US" altLang="zh-CN" sz="1600" dirty="0" err="1"/>
+              <a:t>argv</a:t>
+            </a:r>
+            <a:r>
+              <a:rPr lang="en-US" altLang="zh-CN" sz="1600" dirty="0"/>
+              <a:t>[]) {</a:t>
+            </a:r>
+          </a:p>
+          <a:p>
+            <a:pPr marL="457200" lvl="1" indent="0">
+              <a:buNone/>
+            </a:pPr>
+            <a:r>
+              <a:rPr lang="en-US" altLang="zh-CN" sz="1600" dirty="0"/>
+              <a:t>	</a:t>
+            </a:r>
+            <a:r>
+              <a:rPr lang="en-US" altLang="zh-CN" sz="1600" dirty="0" err="1"/>
+              <a:t>printf</a:t>
+            </a:r>
+            <a:r>
+              <a:rPr lang="en-US" altLang="zh-CN" sz="1600" dirty="0"/>
+              <a:t>(“%d\n”, </a:t>
+            </a:r>
+            <a:r>
+              <a:rPr lang="en-US" altLang="zh-CN" sz="1600" dirty="0" err="1"/>
+              <a:t>getpid</a:t>
+            </a:r>
+            <a:r>
+              <a:rPr lang="en-US" altLang="zh-CN" sz="1600" dirty="0"/>
+              <a:t>() );</a:t>
+            </a:r>
+          </a:p>
+          <a:p>
+            <a:pPr marL="457200" lvl="1" indent="0">
+              <a:buNone/>
+            </a:pPr>
+            <a:r>
+              <a:rPr lang="en-US" altLang="zh-CN" sz="1600" dirty="0"/>
+              <a:t>	return 0;</a:t>
+            </a:r>
+          </a:p>
+          <a:p>
+            <a:pPr marL="457200" lvl="1" indent="0">
+              <a:buNone/>
+            </a:pPr>
+            <a:r>
+              <a:rPr lang="en-US" altLang="zh-CN" sz="1600" dirty="0"/>
+              <a:t>}</a:t>
+            </a:r>
           </a:p>
         </p:txBody>
       </p:sp>
     </p:spTree>
     <p:extLst>
       <p:ext uri="{BB962C8B-B14F-4D97-AF65-F5344CB8AC3E}">
-        <p14:creationId xmlns:p14="http://schemas.microsoft.com/office/powerpoint/2010/main" val="83696498"/>
+        <p14:creationId xmlns:p14="http://schemas.microsoft.com/office/powerpoint/2010/main" val="220644065"/>
       </p:ext>
     </p:extLst>
   </p:cSld>
@@ -7519,13 +7598,16 @@
           <a:p>
             <a:r>
               <a:rPr lang="zh-CN" altLang="en-US" dirty="0"/>
-              <a:t>获取自己的</a:t>
+              <a:t>用</a:t>
             </a:r>
             <a:r>
               <a:rPr lang="en-US" altLang="zh-CN" dirty="0"/>
-              <a:t>PID</a:t>
-            </a:r>
-            <a:endParaRPr lang="zh-CN" altLang="en-US" dirty="0"/>
+              <a:t>fork</a:t>
+            </a:r>
+            <a:r>
+              <a:rPr lang="zh-CN" altLang="en-US" dirty="0"/>
+              <a:t>创建子进程</a:t>
+            </a:r>
           </a:p>
         </p:txBody>
       </p:sp>
@@ -7567,167 +7649,93 @@
             </a:r>
             <a:r>
               <a:rPr lang="en-US" altLang="zh-CN" sz="2000" dirty="0"/>
-              <a:t>  </a:t>
-            </a:r>
-            <a:r>
-              <a:rPr lang="en-US" altLang="zh-CN" sz="2000" dirty="0" err="1"/>
-              <a:t>getpid</a:t>
-            </a:r>
+              <a:t>  fork();</a:t>
+            </a:r>
+          </a:p>
+          <a:p>
+            <a:endParaRPr lang="en-US" altLang="zh-CN" sz="2000" dirty="0"/>
+          </a:p>
+          <a:p>
             <a:r>
               <a:rPr lang="en-US" altLang="zh-CN" sz="2000" dirty="0"/>
-              <a:t>();</a:t>
-            </a:r>
-          </a:p>
-          <a:p>
-            <a:r>
-              <a:rPr lang="zh-CN" altLang="en-US" sz="2000" dirty="0"/>
-              <a:t>示例：</a:t>
+              <a:t>fork</a:t>
+            </a:r>
+            <a:r>
+              <a:rPr lang="zh-CN" altLang="en-US" sz="2000" dirty="0"/>
+              <a:t>会创建子进程，调用</a:t>
+            </a:r>
+            <a:r>
+              <a:rPr lang="en-US" altLang="zh-CN" sz="2000" dirty="0"/>
+              <a:t>fork</a:t>
+            </a:r>
+            <a:r>
+              <a:rPr lang="zh-CN" altLang="en-US" sz="2000" dirty="0"/>
+              <a:t>，内核会分配内存，分配新的进程描述符。并标记父进程为创建它的进程。子进程创建后就开始运行。</a:t>
             </a:r>
             <a:endParaRPr lang="en-US" altLang="zh-CN" sz="2000" dirty="0"/>
           </a:p>
           <a:p>
-            <a:pPr marL="457200" lvl="1" indent="0">
-              <a:buNone/>
-            </a:pPr>
-            <a:r>
-              <a:rPr lang="en-US" altLang="zh-CN" sz="1600" dirty="0"/>
-              <a:t>#include &lt;</a:t>
-            </a:r>
-            <a:r>
-              <a:rPr lang="en-US" altLang="zh-CN" sz="1600" dirty="0" err="1"/>
-              <a:t>stdio.h</a:t>
-            </a:r>
-            <a:r>
-              <a:rPr lang="en-US" altLang="zh-CN" sz="1600" dirty="0"/>
-              <a:t>&gt;</a:t>
-            </a:r>
-          </a:p>
-          <a:p>
-            <a:pPr marL="457200" lvl="1" indent="0">
-              <a:buNone/>
-            </a:pPr>
-            <a:r>
-              <a:rPr lang="en-US" altLang="zh-CN" sz="1600" dirty="0"/>
-              <a:t>#include &lt;sys/</a:t>
-            </a:r>
-            <a:r>
-              <a:rPr lang="en-US" altLang="zh-CN" sz="1600" dirty="0" err="1"/>
-              <a:t>types.h</a:t>
-            </a:r>
-            <a:r>
-              <a:rPr lang="en-US" altLang="zh-CN" sz="1600" dirty="0"/>
-              <a:t>&gt;</a:t>
-            </a:r>
-          </a:p>
-          <a:p>
-            <a:pPr marL="457200" lvl="1" indent="0">
-              <a:buNone/>
-            </a:pPr>
-            <a:r>
-              <a:rPr lang="en-US" altLang="zh-CN" sz="1600" dirty="0"/>
-              <a:t>#include &lt;</a:t>
-            </a:r>
-            <a:r>
-              <a:rPr lang="en-US" altLang="zh-CN" sz="1600" dirty="0" err="1"/>
-              <a:t>unistd.h</a:t>
-            </a:r>
-            <a:r>
-              <a:rPr lang="en-US" altLang="zh-CN" sz="1600" dirty="0"/>
-              <a:t>&gt;</a:t>
-            </a:r>
-          </a:p>
-          <a:p>
-            <a:pPr marL="457200" lvl="1" indent="0">
-              <a:buNone/>
-            </a:pPr>
-            <a:endParaRPr lang="en-US" altLang="zh-CN" sz="1600" dirty="0"/>
-          </a:p>
-          <a:p>
-            <a:pPr marL="457200" lvl="1" indent="0">
-              <a:buNone/>
-            </a:pPr>
-            <a:r>
-              <a:rPr lang="en-US" altLang="zh-CN" sz="1600" dirty="0" err="1"/>
-              <a:t>int</a:t>
-            </a:r>
-            <a:r>
-              <a:rPr lang="en-US" altLang="zh-CN" sz="1600" dirty="0"/>
-              <a:t> main(</a:t>
-            </a:r>
-            <a:r>
-              <a:rPr lang="en-US" altLang="zh-CN" sz="1600" dirty="0" err="1"/>
-              <a:t>int</a:t>
-            </a:r>
-            <a:r>
-              <a:rPr lang="en-US" altLang="zh-CN" sz="1600" dirty="0"/>
-              <a:t> </a:t>
-            </a:r>
-            <a:r>
-              <a:rPr lang="en-US" altLang="zh-CN" sz="1600" dirty="0" err="1"/>
-              <a:t>argc</a:t>
-            </a:r>
-            <a:r>
-              <a:rPr lang="en-US" altLang="zh-CN" sz="1600" dirty="0"/>
-              <a:t>, char *</a:t>
-            </a:r>
-            <a:r>
-              <a:rPr lang="en-US" altLang="zh-CN" sz="1600" dirty="0" err="1"/>
-              <a:t>argv</a:t>
-            </a:r>
-            <a:r>
-              <a:rPr lang="en-US" altLang="zh-CN" sz="1600" dirty="0"/>
-              <a:t>[]) {</a:t>
-            </a:r>
-          </a:p>
-          <a:p>
-            <a:pPr marL="457200" lvl="1" indent="0">
-              <a:buNone/>
-            </a:pPr>
-            <a:r>
-              <a:rPr lang="en-US" altLang="zh-CN" sz="1600" dirty="0"/>
-              <a:t>	</a:t>
-            </a:r>
-            <a:r>
-              <a:rPr lang="en-US" altLang="zh-CN" sz="1600" dirty="0" err="1"/>
-              <a:t>printf</a:t>
-            </a:r>
-            <a:r>
-              <a:rPr lang="en-US" altLang="zh-CN" sz="1600" dirty="0"/>
-              <a:t>(“%d\n”, </a:t>
-            </a:r>
-            <a:r>
-              <a:rPr lang="en-US" altLang="zh-CN" sz="1600" dirty="0" err="1"/>
-              <a:t>getpid</a:t>
-            </a:r>
-            <a:r>
-              <a:rPr lang="en-US" altLang="zh-CN" sz="1600" dirty="0"/>
-              <a:t>() );</a:t>
-            </a:r>
-          </a:p>
-          <a:p>
-            <a:pPr marL="457200" lvl="1" indent="0">
-              <a:buNone/>
-            </a:pPr>
-            <a:r>
-              <a:rPr lang="en-US" altLang="zh-CN" sz="1600" dirty="0"/>
-              <a:t>	return 0;</a:t>
-            </a:r>
-          </a:p>
-          <a:p>
-            <a:pPr marL="457200" lvl="1" indent="0">
-              <a:buNone/>
-            </a:pPr>
-            <a:r>
-              <a:rPr lang="en-US" altLang="zh-CN" sz="1600" dirty="0"/>
-              <a:t>}</a:t>
-            </a:r>
+            <a:endParaRPr lang="en-US" altLang="zh-CN" sz="2000" dirty="0"/>
+          </a:p>
+          <a:p>
+            <a:r>
+              <a:rPr lang="en-US" altLang="zh-CN" sz="2000" dirty="0"/>
+              <a:t>fork</a:t>
+            </a:r>
+            <a:r>
+              <a:rPr lang="zh-CN" altLang="en-US" sz="2000" dirty="0"/>
+              <a:t>出错返回</a:t>
+            </a:r>
+            <a:r>
+              <a:rPr lang="en-US" altLang="zh-CN" sz="2000" dirty="0"/>
+              <a:t>-1</a:t>
+            </a:r>
+            <a:r>
+              <a:rPr lang="zh-CN" altLang="en-US" sz="2000" dirty="0"/>
+              <a:t>并且不会创建新的进程；正确则在父进程返回创建子进程的</a:t>
+            </a:r>
+            <a:r>
+              <a:rPr lang="en-US" altLang="zh-CN" sz="2000" dirty="0"/>
+              <a:t>PID</a:t>
+            </a:r>
+            <a:r>
+              <a:rPr lang="zh-CN" altLang="en-US" sz="2000" dirty="0"/>
+              <a:t>，在子进程返回</a:t>
+            </a:r>
+            <a:r>
+              <a:rPr lang="en-US" altLang="zh-CN" sz="2000" dirty="0"/>
+              <a:t>0</a:t>
+            </a:r>
+            <a:r>
+              <a:rPr lang="zh-CN" altLang="en-US" sz="2000" dirty="0"/>
+              <a:t>。</a:t>
+            </a:r>
+            <a:endParaRPr lang="en-US" altLang="zh-CN" sz="2000" dirty="0"/>
+          </a:p>
+          <a:p>
+            <a:endParaRPr lang="en-US" altLang="zh-CN" sz="2000" dirty="0"/>
+          </a:p>
+          <a:p>
+            <a:r>
+              <a:rPr lang="zh-CN" altLang="en-US" sz="2000" dirty="0"/>
+              <a:t>子进程会在</a:t>
+            </a:r>
+            <a:r>
+              <a:rPr lang="en-US" altLang="zh-CN" sz="2000" dirty="0"/>
+              <a:t>fork</a:t>
+            </a:r>
+            <a:r>
+              <a:rPr lang="zh-CN" altLang="en-US" sz="2000" dirty="0"/>
+              <a:t>调用后继续执行后面的代码，由于父进程和子进程不同的返回值。可以通过返回值判断控制父进程和子进程执行不同的代码。</a:t>
+            </a:r>
+            <a:endParaRPr lang="en-US" altLang="zh-CN" sz="2000" dirty="0"/>
           </a:p>
         </p:txBody>
       </p:sp>
     </p:spTree>
     <p:extLst>
       <p:ext uri="{BB962C8B-B14F-4D97-AF65-F5344CB8AC3E}">
-        <p14:creationId xmlns:p14="http://schemas.microsoft.com/office/powerpoint/2010/main" val="220644065"/>
+        <p14:creationId xmlns:p14="http://schemas.microsoft.com/office/powerpoint/2010/main" val="2364192601"/>
       </p:ext>
     </p:extLst>
   </p:cSld>
@@ -7782,15 +7790,7 @@
           <a:p>
             <a:r>
               <a:rPr lang="zh-CN" altLang="en-US" dirty="0"/>
-              <a:t>用</a:t>
-            </a:r>
-            <a:r>
-              <a:rPr lang="en-US" altLang="zh-CN" dirty="0"/>
-              <a:t>fork</a:t>
-            </a:r>
-            <a:r>
-              <a:rPr lang="zh-CN" altLang="en-US" dirty="0"/>
-              <a:t>创建子进程</a:t>
+              <a:t>等待子进程退出</a:t>
             </a:r>
           </a:p>
         </p:txBody>
@@ -7833,50 +7833,33 @@
             </a:r>
             <a:r>
               <a:rPr lang="en-US" altLang="zh-CN" sz="2000" dirty="0"/>
-              <a:t>  fork();</a:t>
-            </a:r>
-          </a:p>
-          <a:p>
-            <a:endParaRPr lang="en-US" altLang="zh-CN" sz="2000" dirty="0"/>
-          </a:p>
-          <a:p>
+              <a:t>  wait(</a:t>
+            </a:r>
+            <a:r>
+              <a:rPr lang="en-US" altLang="zh-CN" sz="2000" dirty="0" err="1"/>
+              <a:t>int</a:t>
+            </a:r>
             <a:r>
               <a:rPr lang="en-US" altLang="zh-CN" sz="2000" dirty="0"/>
-              <a:t>fork</a:t>
-            </a:r>
-            <a:r>
-              <a:rPr lang="zh-CN" altLang="en-US" sz="2000" dirty="0"/>
-              <a:t>会创建子进程，调用</a:t>
-            </a:r>
+              <a:t> *status);</a:t>
+            </a:r>
+          </a:p>
+          <a:p>
             <a:r>
               <a:rPr lang="en-US" altLang="zh-CN" sz="2000" dirty="0"/>
-              <a:t>fork</a:t>
-            </a:r>
-            <a:r>
-              <a:rPr lang="zh-CN" altLang="en-US" sz="2000" dirty="0"/>
-              <a:t>，内核会分配内存，分配新的进程描述符。并标记父进程为创建它的进程。子进程创建后就开始运行。</a:t>
-            </a:r>
-            <a:endParaRPr lang="en-US" altLang="zh-CN" sz="2000" dirty="0"/>
-          </a:p>
-          <a:p>
-            <a:endParaRPr lang="en-US" altLang="zh-CN" sz="2000" dirty="0"/>
-          </a:p>
-          <a:p>
+              <a:t>wait</a:t>
+            </a:r>
+            <a:r>
+              <a:rPr lang="zh-CN" altLang="en-US" sz="2000" dirty="0"/>
+              <a:t>等待子进程退出，并把子进程退出状态设置到</a:t>
+            </a:r>
             <a:r>
               <a:rPr lang="en-US" altLang="zh-CN" sz="2000" dirty="0"/>
-              <a:t>fork</a:t>
-            </a:r>
-            <a:r>
-              <a:rPr lang="zh-CN" altLang="en-US" sz="2000" dirty="0"/>
-              <a:t>出错返回</a:t>
-            </a:r>
-            <a:r>
-              <a:rPr lang="en-US" altLang="zh-CN" sz="2000" dirty="0"/>
-              <a:t>-1</a:t>
-            </a:r>
-            <a:r>
-              <a:rPr lang="zh-CN" altLang="en-US" sz="2000" dirty="0"/>
-              <a:t>并且不会创建新的进程；正确则在父进程返回创建子进程的</a:t>
+              <a:t>status</a:t>
+            </a:r>
+            <a:r>
+              <a:rPr lang="zh-CN" altLang="en-US" sz="2000" dirty="0"/>
+              <a:t>变量。返回退出进程的</a:t>
             </a:r>
             <a:r>
               <a:rPr lang="en-US" altLang="zh-CN" sz="2000" dirty="0"/>
@@ -7884,132 +7867,25 @@
             </a:r>
             <a:r>
               <a:rPr lang="zh-CN" altLang="en-US" sz="2000" dirty="0"/>
-              <a:t>，在子进程返回</a:t>
-            </a:r>
+              <a:t>。</a:t>
+            </a:r>
+            <a:endParaRPr lang="en-US" altLang="zh-CN" sz="2000" dirty="0"/>
+          </a:p>
+          <a:p>
             <a:r>
               <a:rPr lang="en-US" altLang="zh-CN" sz="2000" dirty="0"/>
-              <a:t>0</a:t>
-            </a:r>
-            <a:r>
-              <a:rPr lang="zh-CN" altLang="en-US" sz="2000" dirty="0"/>
-              <a:t>。</a:t>
+              <a:t>wait</a:t>
+            </a:r>
+            <a:r>
+              <a:rPr lang="zh-CN" altLang="en-US" sz="2000" dirty="0"/>
+              <a:t>调用会挂起父进程，直到子进程退出。</a:t>
             </a:r>
             <a:endParaRPr lang="en-US" altLang="zh-CN" sz="2000" dirty="0"/>
           </a:p>
           <a:p>
-            <a:endParaRPr lang="en-US" altLang="zh-CN" sz="2000" dirty="0"/>
-          </a:p>
-          <a:p>
-            <a:r>
-              <a:rPr lang="zh-CN" altLang="en-US" sz="2000" dirty="0"/>
-              <a:t>子进程会在</a:t>
-            </a:r>
-            <a:r>
-              <a:rPr lang="en-US" altLang="zh-CN" sz="2000" dirty="0"/>
-              <a:t>fork</a:t>
-            </a:r>
-            <a:r>
-              <a:rPr lang="zh-CN" altLang="en-US" sz="2000" dirty="0"/>
-              <a:t>调用后继续执行后面的代码，由于父进程和子进程不同的返回值。可以通过返回值判断控制父进程和子进程执行不同的代码。</a:t>
-            </a:r>
-            <a:endParaRPr lang="en-US" altLang="zh-CN" sz="2000" dirty="0"/>
-          </a:p>
-        </p:txBody>
-      </p:sp>
-    </p:spTree>
-    <p:extLst>
-      <p:ext uri="{BB962C8B-B14F-4D97-AF65-F5344CB8AC3E}">
-        <p14:creationId xmlns:p14="http://schemas.microsoft.com/office/powerpoint/2010/main" val="2364192601"/>
-      </p:ext>
-    </p:extLst>
-  </p:cSld>
-  <p:clrMapOvr>
-    <a:masterClrMapping/>
-  </p:clrMapOvr>
-</p:sld>
-</file>
-
-<file path=ppt/slides/slide23.xml><?xml version="1.0" encoding="utf-8"?>
-<p:sld xmlns:a="http://schemas.openxmlformats.org/drawingml/2006/main" xmlns:r="http://schemas.openxmlformats.org/officeDocument/2006/relationships" xmlns:p="http://schemas.openxmlformats.org/presentationml/2006/main">
-  <p:cSld>
-    <p:spTree>
-      <p:nvGrpSpPr>
-        <p:cNvPr id="1" name=""/>
-        <p:cNvGrpSpPr/>
-        <p:nvPr/>
-      </p:nvGrpSpPr>
-      <p:grpSpPr>
-        <a:xfrm>
-          <a:off x="0" y="0"/>
-          <a:ext cx="0" cy="0"/>
-          <a:chOff x="0" y="0"/>
-          <a:chExt cx="0" cy="0"/>
-        </a:xfrm>
-      </p:grpSpPr>
-      <p:sp>
-        <p:nvSpPr>
-          <p:cNvPr id="4" name="标题 3">
-            <a:extLst>
-              <a:ext uri="{FF2B5EF4-FFF2-40B4-BE49-F238E27FC236}">
-                <a16:creationId xmlns:a16="http://schemas.microsoft.com/office/drawing/2014/main" id="{2729939D-814A-4BD2-9922-3F8EA865938B}"/>
-              </a:ext>
-            </a:extLst>
-          </p:cNvPr>
-          <p:cNvSpPr>
-            <a:spLocks noGrp="1"/>
-          </p:cNvSpPr>
-          <p:nvPr>
-            <p:ph type="title"/>
-          </p:nvPr>
-        </p:nvSpPr>
-        <p:spPr>
-          <a:xfrm>
-            <a:off x="838200" y="683581"/>
-            <a:ext cx="10515600" cy="736846"/>
-          </a:xfrm>
-        </p:spPr>
-        <p:txBody>
-          <a:bodyPr/>
-          <a:lstStyle/>
-          <a:p>
-            <a:r>
-              <a:rPr lang="zh-CN" altLang="en-US" dirty="0"/>
-              <a:t>等待子进程退出</a:t>
-            </a:r>
-          </a:p>
-        </p:txBody>
-      </p:sp>
-      <p:sp>
-        <p:nvSpPr>
-          <p:cNvPr id="6" name="内容占位符 5">
-            <a:extLst>
-              <a:ext uri="{FF2B5EF4-FFF2-40B4-BE49-F238E27FC236}">
-                <a16:creationId xmlns:a16="http://schemas.microsoft.com/office/drawing/2014/main" id="{B83E9AD4-C606-4679-B884-01F71CC97E44}"/>
-              </a:ext>
-            </a:extLst>
-          </p:cNvPr>
-          <p:cNvSpPr>
-            <a:spLocks noGrp="1"/>
-          </p:cNvSpPr>
-          <p:nvPr>
-            <p:ph idx="1"/>
-          </p:nvPr>
-        </p:nvSpPr>
-        <p:spPr>
-          <a:xfrm>
-            <a:off x="838200" y="1656500"/>
-            <a:ext cx="10515600" cy="4850832"/>
-          </a:xfrm>
-        </p:spPr>
-        <p:txBody>
-          <a:bodyPr>
-            <a:normAutofit/>
-          </a:bodyPr>
-          <a:lstStyle/>
-          <a:p>
-            <a:r>
-              <a:rPr lang="zh-CN" altLang="en-US" sz="2000" dirty="0"/>
-              <a:t>系统调用：</a:t>
+            <a:r>
+              <a:rPr lang="zh-CN" altLang="en-US" sz="2000" dirty="0"/>
+              <a:t>类似的调用还有</a:t>
             </a:r>
             <a:r>
               <a:rPr lang="en-US" altLang="zh-CN" sz="2000" dirty="0" err="1"/>
@@ -8017,7 +7893,31 @@
             </a:r>
             <a:r>
               <a:rPr lang="en-US" altLang="zh-CN" sz="2000" dirty="0"/>
-              <a:t>  wait(</a:t>
+              <a:t> </a:t>
+            </a:r>
+            <a:r>
+              <a:rPr lang="en-US" altLang="zh-CN" sz="2000" dirty="0" err="1"/>
+              <a:t>waitpid</a:t>
+            </a:r>
+            <a:r>
+              <a:rPr lang="en-US" altLang="zh-CN" sz="2000" dirty="0"/>
+              <a:t>(</a:t>
+            </a:r>
+            <a:r>
+              <a:rPr lang="en-US" altLang="zh-CN" sz="2000" dirty="0" err="1"/>
+              <a:t>pid_t</a:t>
+            </a:r>
+            <a:r>
+              <a:rPr lang="en-US" altLang="zh-CN" sz="2000" dirty="0"/>
+              <a:t> </a:t>
+            </a:r>
+            <a:r>
+              <a:rPr lang="en-US" altLang="zh-CN" sz="2000" dirty="0" err="1"/>
+              <a:t>pid</a:t>
+            </a:r>
+            <a:r>
+              <a:rPr lang="en-US" altLang="zh-CN" sz="2000" dirty="0"/>
+              <a:t>, </a:t>
             </a:r>
             <a:r>
               <a:rPr lang="en-US" altLang="zh-CN" sz="2000" dirty="0" err="1"/>
@@ -8025,45 +7925,40 @@
             </a:r>
             <a:r>
               <a:rPr lang="en-US" altLang="zh-CN" sz="2000" dirty="0"/>
-              <a:t> *status);</a:t>
-            </a:r>
-          </a:p>
-          <a:p>
+              <a:t> *status, </a:t>
+            </a:r>
+            <a:r>
+              <a:rPr lang="en-US" altLang="zh-CN" sz="2000" dirty="0" err="1"/>
+              <a:t>int</a:t>
+            </a:r>
             <a:r>
               <a:rPr lang="en-US" altLang="zh-CN" sz="2000" dirty="0"/>
-              <a:t>wait</a:t>
-            </a:r>
-            <a:r>
-              <a:rPr lang="zh-CN" altLang="en-US" sz="2000" dirty="0"/>
-              <a:t>等待子进程退出，并把子进程退出状态设置到</a:t>
-            </a:r>
-            <a:r>
-              <a:rPr lang="en-US" altLang="zh-CN" sz="2000" dirty="0"/>
-              <a:t>status</a:t>
-            </a:r>
-            <a:r>
-              <a:rPr lang="zh-CN" altLang="en-US" sz="2000" dirty="0"/>
-              <a:t>变量。返回退出进程的</a:t>
-            </a:r>
-            <a:r>
-              <a:rPr lang="en-US" altLang="zh-CN" sz="2000" dirty="0"/>
-              <a:t>PID</a:t>
-            </a:r>
-            <a:r>
-              <a:rPr lang="zh-CN" altLang="en-US" sz="2000" dirty="0"/>
-              <a:t>。</a:t>
+              <a:t> options);</a:t>
+            </a:r>
+            <a:r>
+              <a:rPr lang="zh-CN" altLang="en-US" sz="2000" dirty="0"/>
+              <a:t>详细说明可在终端运行</a:t>
             </a:r>
             <a:endParaRPr lang="en-US" altLang="zh-CN" sz="2000" dirty="0"/>
           </a:p>
           <a:p>
-            <a:r>
-              <a:rPr lang="en-US" altLang="zh-CN" sz="2000" dirty="0"/>
-              <a:t>wait</a:t>
-            </a:r>
-            <a:r>
-              <a:rPr lang="zh-CN" altLang="en-US" sz="2000" dirty="0"/>
-              <a:t>调用会挂起父进程，直到子进程退出。</a:t>
-            </a:r>
+            <a:pPr marL="914400" lvl="2" indent="0">
+              <a:buNone/>
+            </a:pPr>
+            <a:r>
+              <a:rPr lang="en-US" altLang="zh-CN" sz="1800" dirty="0"/>
+              <a:t>man  2  </a:t>
+            </a:r>
+            <a:r>
+              <a:rPr lang="en-US" altLang="zh-CN" sz="1800" dirty="0" err="1"/>
+              <a:t>waitpid</a:t>
+            </a:r>
+            <a:endParaRPr lang="en-US" altLang="zh-CN" sz="1800" dirty="0"/>
+          </a:p>
+          <a:p>
+            <a:pPr marL="0" indent="0">
+              <a:buNone/>
+            </a:pPr>
             <a:endParaRPr lang="en-US" altLang="zh-CN" sz="2000" dirty="0"/>
           </a:p>
         </p:txBody>
@@ -8081,7 +7976,7 @@
 </p:sld>
 </file>
 
-<file path=ppt/slides/slide24.xml><?xml version="1.0" encoding="utf-8"?>
+<file path=ppt/slides/slide23.xml><?xml version="1.0" encoding="utf-8"?>
 <p:sld xmlns:a="http://schemas.openxmlformats.org/drawingml/2006/main" xmlns:r="http://schemas.openxmlformats.org/officeDocument/2006/relationships" xmlns:p="http://schemas.openxmlformats.org/presentationml/2006/main">
   <p:cSld>
     <p:spTree>
@@ -8433,7 +8328,7 @@
 </p:sld>
 </file>
 
-<file path=ppt/slides/slide25.xml><?xml version="1.0" encoding="utf-8"?>
+<file path=ppt/slides/slide24.xml><?xml version="1.0" encoding="utf-8"?>
 <p:sld xmlns:a="http://schemas.openxmlformats.org/drawingml/2006/main" xmlns:r="http://schemas.openxmlformats.org/officeDocument/2006/relationships" xmlns:p="http://schemas.openxmlformats.org/presentationml/2006/main">
   <p:cSld>
     <p:spTree>
@@ -8515,7 +8410,307 @@
           </a:bodyPr>
           <a:lstStyle/>
           <a:p>
+            <a:r>
+              <a:rPr lang="en-US" altLang="zh-CN" sz="2000" dirty="0"/>
+              <a:t>IO</a:t>
+            </a:r>
+            <a:r>
+              <a:rPr lang="zh-CN" altLang="en-US" sz="2000" dirty="0"/>
+              <a:t>重定向基于这样一个设计原则：最低可用文件描述符（</a:t>
+            </a:r>
+            <a:r>
+              <a:rPr lang="en-US" altLang="zh-CN" sz="2000" dirty="0"/>
+              <a:t>Lowest Available </a:t>
+            </a:r>
+            <a:r>
+              <a:rPr lang="en-US" altLang="zh-CN" sz="2000" dirty="0" err="1"/>
+              <a:t>fd</a:t>
+            </a:r>
+            <a:r>
+              <a:rPr lang="zh-CN" altLang="en-US" sz="2000" dirty="0"/>
+              <a:t>）原则。</a:t>
+            </a:r>
             <a:endParaRPr lang="en-US" altLang="zh-CN" sz="2000" dirty="0"/>
+          </a:p>
+          <a:p>
+            <a:r>
+              <a:rPr lang="zh-CN" altLang="en-US" sz="2000" dirty="0"/>
+              <a:t>文件描述符是一个数组索引号，每个进程都有一组打开的文件，这些打开的文件信息保存在一个数组中，文件描述符就是数组的索引号。</a:t>
+            </a:r>
+            <a:endParaRPr lang="en-US" altLang="zh-CN" sz="2000" dirty="0"/>
+          </a:p>
+          <a:p>
+            <a:r>
+              <a:rPr lang="zh-CN" altLang="en-US" sz="2000" dirty="0"/>
+              <a:t>在打开文件时，分配的描述符总是数组中最低可用的索引位置（索引数字最小的位置）。</a:t>
+            </a:r>
+            <a:endParaRPr lang="en-US" altLang="zh-CN" sz="2000" dirty="0"/>
+          </a:p>
+          <a:p>
+            <a:r>
+              <a:rPr lang="zh-CN" altLang="en-US" sz="2000" dirty="0"/>
+              <a:t>在</a:t>
+            </a:r>
+            <a:r>
+              <a:rPr lang="en-US" altLang="zh-CN" sz="2000" dirty="0"/>
+              <a:t>Linux</a:t>
+            </a:r>
+            <a:r>
+              <a:rPr lang="zh-CN" altLang="en-US" sz="2000" dirty="0"/>
+              <a:t>上，使用</a:t>
+            </a:r>
+            <a:r>
+              <a:rPr lang="en-US" altLang="zh-CN" sz="2000" dirty="0"/>
+              <a:t>0</a:t>
+            </a:r>
+            <a:r>
+              <a:rPr lang="zh-CN" altLang="en-US" sz="2000" dirty="0"/>
+              <a:t>，</a:t>
+            </a:r>
+            <a:r>
+              <a:rPr lang="en-US" altLang="zh-CN" sz="2000" dirty="0"/>
+              <a:t>1</a:t>
+            </a:r>
+            <a:r>
+              <a:rPr lang="zh-CN" altLang="en-US" sz="2000" dirty="0"/>
+              <a:t>，</a:t>
+            </a:r>
+            <a:r>
+              <a:rPr lang="en-US" altLang="zh-CN" sz="2000" dirty="0"/>
+              <a:t>2</a:t>
+            </a:r>
+            <a:r>
+              <a:rPr lang="zh-CN" altLang="en-US" sz="2000" dirty="0"/>
+              <a:t>作为程序的标准输入，标准输出，标准错误输出。而如果关闭描述符</a:t>
+            </a:r>
+            <a:r>
+              <a:rPr lang="en-US" altLang="zh-CN" sz="2000" dirty="0"/>
+              <a:t>1</a:t>
+            </a:r>
+            <a:r>
+              <a:rPr lang="zh-CN" altLang="en-US" sz="2000" dirty="0"/>
+              <a:t>，然后打开其他文件，这样文件就被分配了文件描述符</a:t>
+            </a:r>
+            <a:r>
+              <a:rPr lang="en-US" altLang="zh-CN" sz="2000" dirty="0"/>
+              <a:t>1</a:t>
+            </a:r>
+            <a:r>
+              <a:rPr lang="zh-CN" altLang="en-US" sz="2000" dirty="0"/>
+              <a:t>，于是标准输出就会写入到新打开的文件。这就是</a:t>
+            </a:r>
+            <a:r>
+              <a:rPr lang="en-US" altLang="zh-CN" sz="2000" dirty="0"/>
+              <a:t>IO</a:t>
+            </a:r>
+            <a:r>
+              <a:rPr lang="zh-CN" altLang="en-US" sz="2000" dirty="0"/>
+              <a:t>重定向。</a:t>
+            </a:r>
+            <a:endParaRPr lang="en-US" altLang="zh-CN" sz="2000" dirty="0"/>
+          </a:p>
+          <a:p>
+            <a:r>
+              <a:rPr lang="zh-CN" altLang="en-US" sz="2000" dirty="0"/>
+              <a:t>编程实现的方式（以文件描述符</a:t>
+            </a:r>
+            <a:r>
+              <a:rPr lang="en-US" altLang="zh-CN" sz="2000" dirty="0"/>
+              <a:t>1</a:t>
+            </a:r>
+            <a:r>
+              <a:rPr lang="zh-CN" altLang="en-US" sz="2000" dirty="0"/>
+              <a:t>为例）：</a:t>
+            </a:r>
+            <a:endParaRPr lang="en-US" altLang="zh-CN" sz="2000" dirty="0"/>
+          </a:p>
+          <a:p>
+            <a:pPr lvl="1"/>
+            <a:r>
+              <a:rPr lang="en-US" altLang="zh-CN" sz="1800" dirty="0"/>
+              <a:t>close-open-close</a:t>
+            </a:r>
+            <a:r>
+              <a:rPr lang="zh-CN" altLang="en-US" sz="1800" dirty="0"/>
+              <a:t>方式，先</a:t>
+            </a:r>
+            <a:r>
+              <a:rPr lang="en-US" altLang="zh-CN" sz="1800" dirty="0"/>
+              <a:t>close(1)</a:t>
+            </a:r>
+            <a:r>
+              <a:rPr lang="zh-CN" altLang="en-US" sz="1800" dirty="0"/>
+              <a:t>，然后</a:t>
+            </a:r>
+            <a:r>
+              <a:rPr lang="en-US" altLang="zh-CN" sz="1800" dirty="0"/>
+              <a:t>open(filename, O_RDWR, S_IWUSR); </a:t>
+            </a:r>
+            <a:r>
+              <a:rPr lang="zh-CN" altLang="en-US" sz="1800" dirty="0"/>
+              <a:t>操作完成，</a:t>
+            </a:r>
+            <a:r>
+              <a:rPr lang="en-US" altLang="zh-CN" sz="1800" dirty="0"/>
+              <a:t>close</a:t>
+            </a:r>
+            <a:r>
+              <a:rPr lang="zh-CN" altLang="en-US" sz="1800" dirty="0"/>
+              <a:t>关闭新打开的文件。</a:t>
+            </a:r>
+            <a:endParaRPr lang="en-US" altLang="zh-CN" sz="1800" dirty="0"/>
+          </a:p>
+          <a:p>
+            <a:pPr lvl="1"/>
+            <a:r>
+              <a:rPr lang="en-US" altLang="zh-CN" sz="1800" dirty="0"/>
+              <a:t>open-close-dup-close</a:t>
+            </a:r>
+            <a:r>
+              <a:rPr lang="zh-CN" altLang="en-US" sz="1800" dirty="0"/>
+              <a:t>方式，</a:t>
+            </a:r>
+            <a:r>
+              <a:rPr lang="en-US" altLang="zh-CN" sz="1800" dirty="0"/>
+              <a:t>open</a:t>
+            </a:r>
+            <a:r>
+              <a:rPr lang="zh-CN" altLang="en-US" sz="1800" dirty="0"/>
+              <a:t>打开文件，返回的文件描述符不是</a:t>
+            </a:r>
+            <a:r>
+              <a:rPr lang="en-US" altLang="zh-CN" sz="1800" dirty="0"/>
+              <a:t>1</a:t>
+            </a:r>
+            <a:r>
+              <a:rPr lang="zh-CN" altLang="en-US" sz="1800" dirty="0"/>
+              <a:t>，然后</a:t>
+            </a:r>
+            <a:r>
+              <a:rPr lang="en-US" altLang="zh-CN" sz="1800" dirty="0"/>
+              <a:t>close(1)</a:t>
+            </a:r>
+            <a:r>
+              <a:rPr lang="zh-CN" altLang="en-US" sz="1800" dirty="0"/>
+              <a:t>，现在最低可用描述符是</a:t>
+            </a:r>
+            <a:r>
+              <a:rPr lang="en-US" altLang="zh-CN" sz="1800" dirty="0"/>
+              <a:t>1</a:t>
+            </a:r>
+            <a:r>
+              <a:rPr lang="zh-CN" altLang="en-US" sz="1800" dirty="0"/>
+              <a:t>，</a:t>
+            </a:r>
+            <a:r>
+              <a:rPr lang="en-US" altLang="zh-CN" sz="1800" dirty="0"/>
+              <a:t>dup(</a:t>
+            </a:r>
+            <a:r>
+              <a:rPr lang="en-US" altLang="zh-CN" sz="1800" dirty="0" err="1"/>
+              <a:t>fd</a:t>
+            </a:r>
+            <a:r>
+              <a:rPr lang="en-US" altLang="zh-CN" sz="1800" dirty="0"/>
+              <a:t>)</a:t>
+            </a:r>
+            <a:r>
+              <a:rPr lang="zh-CN" altLang="en-US" sz="1800" dirty="0"/>
+              <a:t>会把新打开的描述符复制到</a:t>
+            </a:r>
+            <a:r>
+              <a:rPr lang="en-US" altLang="zh-CN" sz="1800" dirty="0"/>
+              <a:t>1</a:t>
+            </a:r>
+            <a:r>
+              <a:rPr lang="zh-CN" altLang="en-US" sz="1800" dirty="0"/>
+              <a:t>，然后</a:t>
+            </a:r>
+            <a:r>
+              <a:rPr lang="en-US" altLang="zh-CN" sz="1800" dirty="0"/>
+              <a:t>close(</a:t>
+            </a:r>
+            <a:r>
+              <a:rPr lang="en-US" altLang="zh-CN" sz="1800" dirty="0" err="1"/>
+              <a:t>fd</a:t>
+            </a:r>
+            <a:r>
+              <a:rPr lang="en-US" altLang="zh-CN" sz="1800" dirty="0"/>
+              <a:t>)</a:t>
+            </a:r>
+            <a:r>
+              <a:rPr lang="zh-CN" altLang="en-US" sz="1800" dirty="0"/>
+              <a:t>关闭新打开的文件。</a:t>
+            </a:r>
+            <a:endParaRPr lang="en-US" altLang="zh-CN" sz="1800" dirty="0"/>
+          </a:p>
+          <a:p>
+            <a:pPr lvl="1"/>
+            <a:r>
+              <a:rPr lang="en-US" altLang="zh-CN" sz="1800" dirty="0"/>
+              <a:t>open-dup2-close</a:t>
+            </a:r>
+            <a:r>
+              <a:rPr lang="zh-CN" altLang="en-US" sz="1800" dirty="0"/>
+              <a:t>方式，</a:t>
+            </a:r>
+            <a:r>
+              <a:rPr lang="en-US" altLang="zh-CN" sz="1800" dirty="0"/>
+              <a:t>dup2(</a:t>
+            </a:r>
+            <a:r>
+              <a:rPr lang="en-US" altLang="zh-CN" sz="1800" dirty="0" err="1"/>
+              <a:t>oldfd</a:t>
+            </a:r>
+            <a:r>
+              <a:rPr lang="en-US" altLang="zh-CN" sz="1800" dirty="0"/>
+              <a:t> ,  </a:t>
+            </a:r>
+            <a:r>
+              <a:rPr lang="en-US" altLang="zh-CN" sz="1800" dirty="0" err="1"/>
+              <a:t>newfd</a:t>
+            </a:r>
+            <a:r>
+              <a:rPr lang="en-US" altLang="zh-CN" sz="1800" dirty="0"/>
+              <a:t>)</a:t>
+            </a:r>
+            <a:r>
+              <a:rPr lang="zh-CN" altLang="en-US" sz="1800" dirty="0"/>
+              <a:t>，关闭</a:t>
+            </a:r>
+            <a:r>
+              <a:rPr lang="en-US" altLang="zh-CN" sz="1800" dirty="0" err="1"/>
+              <a:t>newfd</a:t>
+            </a:r>
+            <a:r>
+              <a:rPr lang="zh-CN" altLang="en-US" sz="1800" dirty="0"/>
+              <a:t>，把</a:t>
+            </a:r>
+            <a:r>
+              <a:rPr lang="en-US" altLang="zh-CN" sz="1800" dirty="0" err="1"/>
+              <a:t>oldfd</a:t>
+            </a:r>
+            <a:r>
+              <a:rPr lang="zh-CN" altLang="en-US" sz="1800" dirty="0"/>
+              <a:t>复制到</a:t>
+            </a:r>
+            <a:r>
+              <a:rPr lang="en-US" altLang="zh-CN" sz="1800" dirty="0" err="1"/>
+              <a:t>newfd</a:t>
+            </a:r>
+            <a:r>
+              <a:rPr lang="zh-CN" altLang="en-US" sz="1800" dirty="0"/>
+              <a:t>，</a:t>
+            </a:r>
+            <a:r>
+              <a:rPr lang="en-US" altLang="zh-CN" sz="1800" dirty="0"/>
+              <a:t>close</a:t>
+            </a:r>
+            <a:r>
+              <a:rPr lang="zh-CN" altLang="en-US" sz="1800" dirty="0"/>
+              <a:t>关闭新打开的描述符。</a:t>
+            </a:r>
+            <a:endParaRPr lang="en-US" altLang="zh-CN" sz="1800" dirty="0"/>
           </a:p>
         </p:txBody>
       </p:sp>
@@ -8532,7 +8727,7 @@
 </p:sld>
 </file>
 
-<file path=ppt/slides/slide26.xml><?xml version="1.0" encoding="utf-8"?>
+<file path=ppt/slides/slide25.xml><?xml version="1.0" encoding="utf-8"?>
 <p:sld xmlns:a="http://schemas.openxmlformats.org/drawingml/2006/main" xmlns:r="http://schemas.openxmlformats.org/officeDocument/2006/relationships" xmlns:p="http://schemas.openxmlformats.org/presentationml/2006/main">
   <p:cSld>
     <p:spTree>

--- a/materials/slides/ch05-vim-and-linux-programming.pptx
+++ b/materials/slides/ch05-vim-and-linux-programming.pptx
@@ -29,7 +29,7 @@
     <p:sldId id="284" r:id="rId17"/>
     <p:sldId id="291" r:id="rId18"/>
     <p:sldId id="265" r:id="rId19"/>
-    <p:sldId id="274" r:id="rId20"/>
+    <p:sldId id="294" r:id="rId20"/>
     <p:sldId id="278" r:id="rId21"/>
     <p:sldId id="287" r:id="rId22"/>
     <p:sldId id="288" r:id="rId23"/>
@@ -239,7 +239,7 @@
           <a:p>
             <a:fld id="{E923E828-953C-4D4A-9B10-11E7329F433D}" type="datetimeFigureOut">
               <a:rPr lang="zh-CN" altLang="en-US" smtClean="0"/>
-              <a:t>2018/2/24</a:t>
+              <a:t>2018/2/25</a:t>
             </a:fld>
             <a:endParaRPr lang="zh-CN" altLang="en-US"/>
           </a:p>
@@ -420,7 +420,7 @@
           <a:p>
             <a:fld id="{867C5346-22E5-4085-8130-851344A84DFF}" type="datetimeFigureOut">
               <a:rPr lang="zh-CN" altLang="en-US" smtClean="0"/>
-              <a:t>2018/2/24</a:t>
+              <a:t>2018/2/25</a:t>
             </a:fld>
             <a:endParaRPr lang="zh-CN" altLang="en-US"/>
           </a:p>
@@ -1602,7 +1602,7 @@
     </p:spTree>
     <p:extLst>
       <p:ext uri="{BB962C8B-B14F-4D97-AF65-F5344CB8AC3E}">
-        <p14:creationId xmlns:p14="http://schemas.microsoft.com/office/powerpoint/2010/main" val="1488317830"/>
+        <p14:creationId xmlns:p14="http://schemas.microsoft.com/office/powerpoint/2010/main" val="4261783980"/>
       </p:ext>
     </p:extLst>
   </p:cSld>
@@ -1938,7 +1938,7 @@
           <a:p>
             <a:fld id="{A5E21016-498F-4141-B0CA-D95A38CA7D62}" type="datetimeFigureOut">
               <a:rPr lang="zh-CN" altLang="en-US" smtClean="0"/>
-              <a:t>2018/2/24</a:t>
+              <a:t>2018/2/25</a:t>
             </a:fld>
             <a:endParaRPr lang="zh-CN" altLang="en-US"/>
           </a:p>
@@ -2168,7 +2168,7 @@
           <a:p>
             <a:fld id="{A5E21016-498F-4141-B0CA-D95A38CA7D62}" type="datetimeFigureOut">
               <a:rPr lang="zh-CN" altLang="en-US" smtClean="0"/>
-              <a:t>2018/2/24</a:t>
+              <a:t>2018/2/25</a:t>
             </a:fld>
             <a:endParaRPr lang="zh-CN" altLang="en-US"/>
           </a:p>
@@ -2403,7 +2403,7 @@
           <a:p>
             <a:fld id="{A5E21016-498F-4141-B0CA-D95A38CA7D62}" type="datetimeFigureOut">
               <a:rPr lang="zh-CN" altLang="en-US" smtClean="0"/>
-              <a:t>2018/2/24</a:t>
+              <a:t>2018/2/25</a:t>
             </a:fld>
             <a:endParaRPr lang="zh-CN" altLang="en-US"/>
           </a:p>
@@ -2965,7 +2965,7 @@
           <a:p>
             <a:fld id="{A5E21016-498F-4141-B0CA-D95A38CA7D62}" type="datetimeFigureOut">
               <a:rPr lang="zh-CN" altLang="en-US" smtClean="0"/>
-              <a:t>2018/2/24</a:t>
+              <a:t>2018/2/25</a:t>
             </a:fld>
             <a:endParaRPr lang="zh-CN" altLang="en-US"/>
           </a:p>
@@ -3262,7 +3262,7 @@
           <a:p>
             <a:fld id="{A5E21016-498F-4141-B0CA-D95A38CA7D62}" type="datetimeFigureOut">
               <a:rPr lang="zh-CN" altLang="en-US" smtClean="0"/>
-              <a:t>2018/2/24</a:t>
+              <a:t>2018/2/25</a:t>
             </a:fld>
             <a:endParaRPr lang="zh-CN" altLang="en-US"/>
           </a:p>
@@ -3701,7 +3701,7 @@
           <a:p>
             <a:fld id="{A5E21016-498F-4141-B0CA-D95A38CA7D62}" type="datetimeFigureOut">
               <a:rPr lang="zh-CN" altLang="en-US" smtClean="0"/>
-              <a:t>2018/2/24</a:t>
+              <a:t>2018/2/25</a:t>
             </a:fld>
             <a:endParaRPr lang="zh-CN" altLang="en-US"/>
           </a:p>
@@ -3874,7 +3874,7 @@
           <a:p>
             <a:fld id="{A5E21016-498F-4141-B0CA-D95A38CA7D62}" type="datetimeFigureOut">
               <a:rPr lang="zh-CN" altLang="en-US" smtClean="0"/>
-              <a:t>2018/2/24</a:t>
+              <a:t>2018/2/25</a:t>
             </a:fld>
             <a:endParaRPr lang="zh-CN" altLang="en-US"/>
           </a:p>
@@ -4011,7 +4011,7 @@
           <a:p>
             <a:fld id="{A5E21016-498F-4141-B0CA-D95A38CA7D62}" type="datetimeFigureOut">
               <a:rPr lang="zh-CN" altLang="en-US" smtClean="0"/>
-              <a:t>2018/2/24</a:t>
+              <a:t>2018/2/25</a:t>
             </a:fld>
             <a:endParaRPr lang="zh-CN" altLang="en-US"/>
           </a:p>
@@ -4349,7 +4349,7 @@
           <a:p>
             <a:fld id="{A5E21016-498F-4141-B0CA-D95A38CA7D62}" type="datetimeFigureOut">
               <a:rPr lang="zh-CN" altLang="en-US" smtClean="0"/>
-              <a:t>2018/2/24</a:t>
+              <a:t>2018/2/25</a:t>
             </a:fld>
             <a:endParaRPr lang="zh-CN" altLang="en-US"/>
           </a:p>
@@ -4664,7 +4664,7 @@
           <a:p>
             <a:fld id="{A5E21016-498F-4141-B0CA-D95A38CA7D62}" type="datetimeFigureOut">
               <a:rPr lang="zh-CN" altLang="en-US" smtClean="0"/>
-              <a:t>2018/2/24</a:t>
+              <a:t>2018/2/25</a:t>
             </a:fld>
             <a:endParaRPr lang="zh-CN" altLang="en-US"/>
           </a:p>
@@ -7035,6 +7035,99 @@
           </a:bodyPr>
           <a:lstStyle/>
           <a:p>
+            <a:r>
+              <a:rPr lang="zh-CN" altLang="en-US" sz="2000" dirty="0"/>
+              <a:t>系统编程就是调用</a:t>
+            </a:r>
+            <a:r>
+              <a:rPr lang="en-US" altLang="zh-CN" sz="2000" dirty="0"/>
+              <a:t>Linux</a:t>
+            </a:r>
+            <a:r>
+              <a:rPr lang="zh-CN" altLang="en-US" sz="2000" dirty="0"/>
+              <a:t>系统提供的</a:t>
+            </a:r>
+            <a:r>
+              <a:rPr lang="en-US" altLang="zh-CN" sz="2000" dirty="0"/>
+              <a:t>API</a:t>
+            </a:r>
+            <a:r>
+              <a:rPr lang="zh-CN" altLang="en-US" sz="2000" dirty="0"/>
+              <a:t>完成需要的任务。</a:t>
+            </a:r>
+            <a:endParaRPr lang="en-US" altLang="zh-CN" sz="2000" dirty="0"/>
+          </a:p>
+          <a:p>
+            <a:endParaRPr lang="en-US" altLang="zh-CN" sz="2000" dirty="0"/>
+          </a:p>
+          <a:p>
+            <a:r>
+              <a:rPr lang="en-US" altLang="zh-CN" sz="2000" dirty="0"/>
+              <a:t>Linux</a:t>
+            </a:r>
+            <a:r>
+              <a:rPr lang="zh-CN" altLang="en-US" sz="2000" dirty="0"/>
+              <a:t>上的大多数命令都是编写的，多数都需要用到系统调用。</a:t>
+            </a:r>
+            <a:endParaRPr lang="en-US" altLang="zh-CN" sz="2000" dirty="0"/>
+          </a:p>
+          <a:p>
+            <a:endParaRPr lang="en-US" altLang="zh-CN" sz="2000" dirty="0"/>
+          </a:p>
+          <a:p>
+            <a:r>
+              <a:rPr lang="en-US" altLang="zh-CN" sz="2000" dirty="0"/>
+              <a:t>man 2 [system call name]</a:t>
+            </a:r>
+            <a:r>
+              <a:rPr lang="zh-CN" altLang="en-US" sz="2000" dirty="0"/>
+              <a:t>查看系统接口文档，</a:t>
+            </a:r>
+            <a:r>
+              <a:rPr lang="en-US" altLang="zh-CN" sz="2000" dirty="0"/>
+              <a:t>man  3  [c function name] </a:t>
+            </a:r>
+            <a:r>
+              <a:rPr lang="zh-CN" altLang="en-US" sz="2000" dirty="0"/>
+              <a:t>查看标准</a:t>
+            </a:r>
+            <a:r>
+              <a:rPr lang="en-US" altLang="zh-CN" sz="2000" dirty="0"/>
+              <a:t>C</a:t>
+            </a:r>
+            <a:r>
+              <a:rPr lang="zh-CN" altLang="en-US" sz="2000" dirty="0"/>
+              <a:t>函数的文档。文档开头都会说明需要引入的头文件，函数声明等信息。</a:t>
+            </a:r>
+            <a:endParaRPr lang="en-US" altLang="zh-CN" sz="2000"/>
+          </a:p>
+          <a:p>
+            <a:endParaRPr lang="en-US" altLang="zh-CN" sz="2000" dirty="0"/>
+          </a:p>
+          <a:p>
+            <a:endParaRPr lang="en-US" altLang="zh-CN" sz="2000" dirty="0"/>
+          </a:p>
+          <a:p>
+            <a:r>
+              <a:rPr lang="en-US" altLang="zh-CN" sz="2000" dirty="0"/>
+              <a:t>man  </a:t>
+            </a:r>
+            <a:r>
+              <a:rPr lang="en-US" altLang="zh-CN" sz="2000" dirty="0" err="1"/>
+              <a:t>syscalls</a:t>
+            </a:r>
+            <a:r>
+              <a:rPr lang="zh-CN" altLang="en-US" sz="2000" dirty="0"/>
+              <a:t>查看所有系统调用（</a:t>
+            </a:r>
+            <a:r>
+              <a:rPr lang="en-US" altLang="zh-CN" sz="2000" dirty="0"/>
+              <a:t>API</a:t>
+            </a:r>
+            <a:r>
+              <a:rPr lang="zh-CN" altLang="en-US" sz="2000" dirty="0"/>
+              <a:t>）。</a:t>
+            </a:r>
             <a:endParaRPr lang="en-US" altLang="zh-CN" sz="2000" dirty="0"/>
           </a:p>
         </p:txBody>
